--- a/個人製作(テーマ・LIFE).pptx
+++ b/個人製作(テーマ・LIFE).pptx
@@ -245,7 +245,7 @@
           <a:p>
             <a:fld id="{E32B2D6A-1425-46CD-9D5F-E5AB1DDA7807}" type="datetimeFigureOut">
               <a:rPr kumimoji="1" lang="ja-JP" altLang="en-US" smtClean="0"/>
-              <a:t>2022/11/1</a:t>
+              <a:t>2022/11/2</a:t>
             </a:fld>
             <a:endParaRPr kumimoji="1" lang="ja-JP" altLang="en-US"/>
           </a:p>
@@ -447,7 +447,7 @@
           <a:p>
             <a:fld id="{E32B2D6A-1425-46CD-9D5F-E5AB1DDA7807}" type="datetimeFigureOut">
               <a:rPr kumimoji="1" lang="ja-JP" altLang="en-US" smtClean="0"/>
-              <a:t>2022/11/1</a:t>
+              <a:t>2022/11/2</a:t>
             </a:fld>
             <a:endParaRPr kumimoji="1" lang="ja-JP" altLang="en-US"/>
           </a:p>
@@ -659,7 +659,7 @@
           <a:p>
             <a:fld id="{E32B2D6A-1425-46CD-9D5F-E5AB1DDA7807}" type="datetimeFigureOut">
               <a:rPr kumimoji="1" lang="ja-JP" altLang="en-US" smtClean="0"/>
-              <a:t>2022/11/1</a:t>
+              <a:t>2022/11/2</a:t>
             </a:fld>
             <a:endParaRPr kumimoji="1" lang="ja-JP" altLang="en-US"/>
           </a:p>
@@ -861,7 +861,7 @@
           <a:p>
             <a:fld id="{E32B2D6A-1425-46CD-9D5F-E5AB1DDA7807}" type="datetimeFigureOut">
               <a:rPr kumimoji="1" lang="ja-JP" altLang="en-US" smtClean="0"/>
-              <a:t>2022/11/1</a:t>
+              <a:t>2022/11/2</a:t>
             </a:fld>
             <a:endParaRPr kumimoji="1" lang="ja-JP" altLang="en-US"/>
           </a:p>
@@ -1107,7 +1107,7 @@
           <a:p>
             <a:fld id="{E32B2D6A-1425-46CD-9D5F-E5AB1DDA7807}" type="datetimeFigureOut">
               <a:rPr kumimoji="1" lang="ja-JP" altLang="en-US" smtClean="0"/>
-              <a:t>2022/11/1</a:t>
+              <a:t>2022/11/2</a:t>
             </a:fld>
             <a:endParaRPr kumimoji="1" lang="ja-JP" altLang="en-US"/>
           </a:p>
@@ -1403,7 +1403,7 @@
           <a:p>
             <a:fld id="{E32B2D6A-1425-46CD-9D5F-E5AB1DDA7807}" type="datetimeFigureOut">
               <a:rPr kumimoji="1" lang="ja-JP" altLang="en-US" smtClean="0"/>
-              <a:t>2022/11/1</a:t>
+              <a:t>2022/11/2</a:t>
             </a:fld>
             <a:endParaRPr kumimoji="1" lang="ja-JP" altLang="en-US"/>
           </a:p>
@@ -1834,7 +1834,7 @@
           <a:p>
             <a:fld id="{E32B2D6A-1425-46CD-9D5F-E5AB1DDA7807}" type="datetimeFigureOut">
               <a:rPr kumimoji="1" lang="ja-JP" altLang="en-US" smtClean="0"/>
-              <a:t>2022/11/1</a:t>
+              <a:t>2022/11/2</a:t>
             </a:fld>
             <a:endParaRPr kumimoji="1" lang="ja-JP" altLang="en-US"/>
           </a:p>
@@ -1952,7 +1952,7 @@
           <a:p>
             <a:fld id="{E32B2D6A-1425-46CD-9D5F-E5AB1DDA7807}" type="datetimeFigureOut">
               <a:rPr kumimoji="1" lang="ja-JP" altLang="en-US" smtClean="0"/>
-              <a:t>2022/11/1</a:t>
+              <a:t>2022/11/2</a:t>
             </a:fld>
             <a:endParaRPr kumimoji="1" lang="ja-JP" altLang="en-US"/>
           </a:p>
@@ -2047,7 +2047,7 @@
           <a:p>
             <a:fld id="{E32B2D6A-1425-46CD-9D5F-E5AB1DDA7807}" type="datetimeFigureOut">
               <a:rPr kumimoji="1" lang="ja-JP" altLang="en-US" smtClean="0"/>
-              <a:t>2022/11/1</a:t>
+              <a:t>2022/11/2</a:t>
             </a:fld>
             <a:endParaRPr kumimoji="1" lang="ja-JP" altLang="en-US"/>
           </a:p>
@@ -2356,7 +2356,7 @@
           <a:p>
             <a:fld id="{E32B2D6A-1425-46CD-9D5F-E5AB1DDA7807}" type="datetimeFigureOut">
               <a:rPr kumimoji="1" lang="ja-JP" altLang="en-US" smtClean="0"/>
-              <a:t>2022/11/1</a:t>
+              <a:t>2022/11/2</a:t>
             </a:fld>
             <a:endParaRPr kumimoji="1" lang="ja-JP" altLang="en-US"/>
           </a:p>
@@ -2609,7 +2609,7 @@
           <a:p>
             <a:fld id="{E32B2D6A-1425-46CD-9D5F-E5AB1DDA7807}" type="datetimeFigureOut">
               <a:rPr kumimoji="1" lang="ja-JP" altLang="en-US" smtClean="0"/>
-              <a:t>2022/11/1</a:t>
+              <a:t>2022/11/2</a:t>
             </a:fld>
             <a:endParaRPr kumimoji="1" lang="ja-JP" altLang="en-US"/>
           </a:p>
@@ -2854,7 +2854,7 @@
           <a:p>
             <a:fld id="{E32B2D6A-1425-46CD-9D5F-E5AB1DDA7807}" type="datetimeFigureOut">
               <a:rPr kumimoji="1" lang="ja-JP" altLang="en-US" smtClean="0"/>
-              <a:t>2022/11/1</a:t>
+              <a:t>2022/11/2</a:t>
             </a:fld>
             <a:endParaRPr kumimoji="1" lang="ja-JP" altLang="en-US"/>
           </a:p>
@@ -3390,17 +3390,23 @@
         </p:nvSpPr>
         <p:spPr>
           <a:xfrm>
-            <a:off x="440924" y="1006461"/>
-            <a:ext cx="9144000" cy="2491342"/>
+            <a:off x="440923" y="1006461"/>
+            <a:ext cx="9368901" cy="2491342"/>
           </a:xfrm>
         </p:spPr>
         <p:txBody>
-          <a:bodyPr/>
+          <a:bodyPr>
+            <a:normAutofit/>
+          </a:bodyPr>
           <a:lstStyle/>
           <a:p>
             <a:r>
               <a:rPr kumimoji="1" lang="ja-JP" altLang="en-US" dirty="0" smtClean="0"/>
-              <a:t>アスレチックステージ突破して早くゴールを目指す</a:t>
+              <a:t>アスレチックステージを突破</a:t>
+            </a:r>
+            <a:r>
+              <a:rPr kumimoji="1" lang="ja-JP" altLang="en-US" dirty="0" smtClean="0"/>
+              <a:t>して早くゴールを目指す</a:t>
             </a:r>
             <a:endParaRPr kumimoji="1" lang="en-US" altLang="ja-JP" dirty="0" smtClean="0"/>
           </a:p>
@@ -3430,28 +3436,36 @@
             </a:r>
             <a:r>
               <a:rPr kumimoji="1" lang="ja-JP" altLang="en-US" dirty="0" smtClean="0"/>
-              <a:t>を管理する必要がある</a:t>
+              <a:t>減らさないように動く必要がある</a:t>
             </a:r>
             <a:endParaRPr kumimoji="1" lang="en-US" altLang="ja-JP" dirty="0" smtClean="0"/>
           </a:p>
           <a:p>
             <a:r>
+              <a:rPr lang="ja-JP" altLang="en-US" dirty="0" smtClean="0"/>
+              <a:t>ステージを</a:t>
+            </a:r>
+            <a:r>
+              <a:rPr lang="en-US" altLang="ja-JP" dirty="0" smtClean="0"/>
+              <a:t>3</a:t>
+            </a:r>
+            <a:r>
+              <a:rPr lang="ja-JP" altLang="en-US" dirty="0" smtClean="0"/>
+              <a:t>つぐ</a:t>
+            </a:r>
+            <a:r>
+              <a:rPr lang="ja-JP" altLang="en-US" dirty="0" err="1" smtClean="0"/>
+              <a:t>らい</a:t>
+            </a:r>
+            <a:r>
+              <a:rPr lang="ja-JP" altLang="en-US" dirty="0" smtClean="0"/>
+              <a:t>作ってすべてのステージの合計タイムを競う</a:t>
+            </a:r>
+            <a:endParaRPr kumimoji="1" lang="en-US" altLang="ja-JP" dirty="0" smtClean="0"/>
+          </a:p>
+          <a:p>
+            <a:r>
               <a:rPr kumimoji="1" lang="ja-JP" altLang="en-US" dirty="0" smtClean="0"/>
-              <a:t>タイムは増加式</a:t>
-            </a:r>
-            <a:r>
-              <a:rPr lang="ja-JP" altLang="en-US" dirty="0" smtClean="0"/>
-              <a:t>で無限に</a:t>
-            </a:r>
-            <a:r>
-              <a:rPr lang="ja-JP" altLang="en-US" dirty="0" smtClean="0"/>
-              <a:t>増える</a:t>
-            </a:r>
-            <a:endParaRPr lang="en-US" altLang="ja-JP" dirty="0" smtClean="0"/>
-          </a:p>
-          <a:p>
-            <a:r>
-              <a:rPr kumimoji="1" lang="ja-JP" altLang="en-US" dirty="0"/>
               <a:t>時間</a:t>
             </a:r>
             <a:r>
@@ -3839,7 +3853,7 @@
         </p:nvSpPr>
         <p:spPr>
           <a:xfrm>
-            <a:off x="3994951" y="3497802"/>
+            <a:off x="3787066" y="3861787"/>
             <a:ext cx="2592280" cy="923330"/>
           </a:xfrm>
           <a:prstGeom prst="rect">

--- a/個人製作(テーマ・LIFE).pptx
+++ b/個人製作(テーマ・LIFE).pptx
@@ -3402,11 +3402,7 @@
           <a:p>
             <a:r>
               <a:rPr kumimoji="1" lang="ja-JP" altLang="en-US" dirty="0" smtClean="0"/>
-              <a:t>アスレチックステージを突破</a:t>
-            </a:r>
-            <a:r>
-              <a:rPr kumimoji="1" lang="ja-JP" altLang="en-US" dirty="0" smtClean="0"/>
-              <a:t>して早くゴールを目指す</a:t>
+              <a:t>アスレチックステージを突破して早くゴールを目指す</a:t>
             </a:r>
             <a:endParaRPr kumimoji="1" lang="en-US" altLang="ja-JP" dirty="0" smtClean="0"/>
           </a:p>
@@ -3466,11 +3462,7 @@
           <a:p>
             <a:r>
               <a:rPr kumimoji="1" lang="ja-JP" altLang="en-US" dirty="0" smtClean="0"/>
-              <a:t>時間</a:t>
-            </a:r>
-            <a:r>
-              <a:rPr kumimoji="1" lang="ja-JP" altLang="en-US" dirty="0" smtClean="0"/>
-              <a:t>があれば</a:t>
+              <a:t>時間があれば</a:t>
             </a:r>
             <a:r>
               <a:rPr lang="ja-JP" altLang="en-US" dirty="0" smtClean="0"/>
@@ -3759,7 +3751,12 @@
             <p:ph idx="1"/>
           </p:nvPr>
         </p:nvSpPr>
-        <p:spPr/>
+        <p:spPr>
+          <a:xfrm>
+            <a:off x="838200" y="1825625"/>
+            <a:ext cx="4337482" cy="4351338"/>
+          </a:xfrm>
+        </p:spPr>
         <p:txBody>
           <a:bodyPr/>
           <a:lstStyle/>
@@ -3806,6 +3803,13 @@
               <a:rPr kumimoji="1" lang="en-US" altLang="ja-JP" dirty="0" smtClean="0"/>
               <a:t>Time</a:t>
             </a:r>
+          </a:p>
+          <a:p>
+            <a:r>
+              <a:rPr lang="en-US" altLang="ja-JP" smtClean="0"/>
+              <a:t>Item</a:t>
+            </a:r>
+            <a:endParaRPr kumimoji="1" lang="en-US" altLang="ja-JP" dirty="0" smtClean="0"/>
           </a:p>
           <a:p>
             <a:endParaRPr kumimoji="1" lang="en-US" altLang="ja-JP" dirty="0" smtClean="0"/>

--- a/個人製作(テーマ・LIFE).pptx
+++ b/個人製作(テーマ・LIFE).pptx
@@ -3432,7 +3432,7 @@
             </a:r>
             <a:r>
               <a:rPr kumimoji="1" lang="ja-JP" altLang="en-US" dirty="0" smtClean="0"/>
-              <a:t>減らさないように動く必要がある</a:t>
+              <a:t>減らさないようにゴールを目指す</a:t>
             </a:r>
             <a:endParaRPr kumimoji="1" lang="en-US" altLang="ja-JP" dirty="0" smtClean="0"/>
           </a:p>
@@ -3461,10 +3461,6 @@
           </a:p>
           <a:p>
             <a:r>
-              <a:rPr kumimoji="1" lang="ja-JP" altLang="en-US" dirty="0" smtClean="0"/>
-              <a:t>時間があれば</a:t>
-            </a:r>
-            <a:r>
               <a:rPr lang="ja-JP" altLang="en-US" dirty="0" smtClean="0"/>
               <a:t>プレイヤー</a:t>
             </a:r>
@@ -3476,7 +3472,26 @@
               <a:rPr lang="ja-JP" altLang="en-US" dirty="0" smtClean="0"/>
               <a:t>人で同時スタートして競う</a:t>
             </a:r>
-            <a:endParaRPr lang="en-US" altLang="ja-JP" dirty="0" smtClean="0"/>
+            <a:r>
+              <a:rPr lang="en-US" altLang="ja-JP" dirty="0" smtClean="0"/>
+              <a:t>(</a:t>
+            </a:r>
+            <a:r>
+              <a:rPr lang="ja-JP" altLang="en-US" dirty="0" smtClean="0"/>
+              <a:t>時間</a:t>
+            </a:r>
+            <a:r>
+              <a:rPr lang="ja-JP" altLang="en-US" dirty="0"/>
+              <a:t>が</a:t>
+            </a:r>
+            <a:r>
+              <a:rPr lang="ja-JP" altLang="en-US" dirty="0" smtClean="0"/>
+              <a:t>あれば</a:t>
+            </a:r>
+            <a:r>
+              <a:rPr lang="en-US" altLang="ja-JP" dirty="0" smtClean="0"/>
+              <a:t>)</a:t>
+            </a:r>
           </a:p>
         </p:txBody>
       </p:sp>
@@ -3655,7 +3670,7 @@
         </p:nvSpPr>
         <p:spPr>
           <a:xfrm>
-            <a:off x="7821226" y="3817397"/>
+            <a:off x="7981025" y="3773877"/>
             <a:ext cx="3062797" cy="646331"/>
           </a:xfrm>
           <a:prstGeom prst="rect">
@@ -3857,8 +3872,8 @@
         </p:nvSpPr>
         <p:spPr>
           <a:xfrm>
-            <a:off x="3787066" y="3861787"/>
-            <a:ext cx="2592280" cy="923330"/>
+            <a:off x="3755255" y="3835154"/>
+            <a:ext cx="1327951" cy="923330"/>
           </a:xfrm>
           <a:prstGeom prst="rect">
             <a:avLst/>

--- a/個人製作(テーマ・LIFE).pptx
+++ b/個人製作(テーマ・LIFE).pptx
@@ -245,7 +245,7 @@
           <a:p>
             <a:fld id="{E32B2D6A-1425-46CD-9D5F-E5AB1DDA7807}" type="datetimeFigureOut">
               <a:rPr kumimoji="1" lang="ja-JP" altLang="en-US" smtClean="0"/>
-              <a:t>2022/11/2</a:t>
+              <a:t>2022/11/21</a:t>
             </a:fld>
             <a:endParaRPr kumimoji="1" lang="ja-JP" altLang="en-US"/>
           </a:p>
@@ -447,7 +447,7 @@
           <a:p>
             <a:fld id="{E32B2D6A-1425-46CD-9D5F-E5AB1DDA7807}" type="datetimeFigureOut">
               <a:rPr kumimoji="1" lang="ja-JP" altLang="en-US" smtClean="0"/>
-              <a:t>2022/11/2</a:t>
+              <a:t>2022/11/21</a:t>
             </a:fld>
             <a:endParaRPr kumimoji="1" lang="ja-JP" altLang="en-US"/>
           </a:p>
@@ -659,7 +659,7 @@
           <a:p>
             <a:fld id="{E32B2D6A-1425-46CD-9D5F-E5AB1DDA7807}" type="datetimeFigureOut">
               <a:rPr kumimoji="1" lang="ja-JP" altLang="en-US" smtClean="0"/>
-              <a:t>2022/11/2</a:t>
+              <a:t>2022/11/21</a:t>
             </a:fld>
             <a:endParaRPr kumimoji="1" lang="ja-JP" altLang="en-US"/>
           </a:p>
@@ -861,7 +861,7 @@
           <a:p>
             <a:fld id="{E32B2D6A-1425-46CD-9D5F-E5AB1DDA7807}" type="datetimeFigureOut">
               <a:rPr kumimoji="1" lang="ja-JP" altLang="en-US" smtClean="0"/>
-              <a:t>2022/11/2</a:t>
+              <a:t>2022/11/21</a:t>
             </a:fld>
             <a:endParaRPr kumimoji="1" lang="ja-JP" altLang="en-US"/>
           </a:p>
@@ -1107,7 +1107,7 @@
           <a:p>
             <a:fld id="{E32B2D6A-1425-46CD-9D5F-E5AB1DDA7807}" type="datetimeFigureOut">
               <a:rPr kumimoji="1" lang="ja-JP" altLang="en-US" smtClean="0"/>
-              <a:t>2022/11/2</a:t>
+              <a:t>2022/11/21</a:t>
             </a:fld>
             <a:endParaRPr kumimoji="1" lang="ja-JP" altLang="en-US"/>
           </a:p>
@@ -1403,7 +1403,7 @@
           <a:p>
             <a:fld id="{E32B2D6A-1425-46CD-9D5F-E5AB1DDA7807}" type="datetimeFigureOut">
               <a:rPr kumimoji="1" lang="ja-JP" altLang="en-US" smtClean="0"/>
-              <a:t>2022/11/2</a:t>
+              <a:t>2022/11/21</a:t>
             </a:fld>
             <a:endParaRPr kumimoji="1" lang="ja-JP" altLang="en-US"/>
           </a:p>
@@ -1834,7 +1834,7 @@
           <a:p>
             <a:fld id="{E32B2D6A-1425-46CD-9D5F-E5AB1DDA7807}" type="datetimeFigureOut">
               <a:rPr kumimoji="1" lang="ja-JP" altLang="en-US" smtClean="0"/>
-              <a:t>2022/11/2</a:t>
+              <a:t>2022/11/21</a:t>
             </a:fld>
             <a:endParaRPr kumimoji="1" lang="ja-JP" altLang="en-US"/>
           </a:p>
@@ -1952,7 +1952,7 @@
           <a:p>
             <a:fld id="{E32B2D6A-1425-46CD-9D5F-E5AB1DDA7807}" type="datetimeFigureOut">
               <a:rPr kumimoji="1" lang="ja-JP" altLang="en-US" smtClean="0"/>
-              <a:t>2022/11/2</a:t>
+              <a:t>2022/11/21</a:t>
             </a:fld>
             <a:endParaRPr kumimoji="1" lang="ja-JP" altLang="en-US"/>
           </a:p>
@@ -2047,7 +2047,7 @@
           <a:p>
             <a:fld id="{E32B2D6A-1425-46CD-9D5F-E5AB1DDA7807}" type="datetimeFigureOut">
               <a:rPr kumimoji="1" lang="ja-JP" altLang="en-US" smtClean="0"/>
-              <a:t>2022/11/2</a:t>
+              <a:t>2022/11/21</a:t>
             </a:fld>
             <a:endParaRPr kumimoji="1" lang="ja-JP" altLang="en-US"/>
           </a:p>
@@ -2356,7 +2356,7 @@
           <a:p>
             <a:fld id="{E32B2D6A-1425-46CD-9D5F-E5AB1DDA7807}" type="datetimeFigureOut">
               <a:rPr kumimoji="1" lang="ja-JP" altLang="en-US" smtClean="0"/>
-              <a:t>2022/11/2</a:t>
+              <a:t>2022/11/21</a:t>
             </a:fld>
             <a:endParaRPr kumimoji="1" lang="ja-JP" altLang="en-US"/>
           </a:p>
@@ -2609,7 +2609,7 @@
           <a:p>
             <a:fld id="{E32B2D6A-1425-46CD-9D5F-E5AB1DDA7807}" type="datetimeFigureOut">
               <a:rPr kumimoji="1" lang="ja-JP" altLang="en-US" smtClean="0"/>
-              <a:t>2022/11/2</a:t>
+              <a:t>2022/11/21</a:t>
             </a:fld>
             <a:endParaRPr kumimoji="1" lang="ja-JP" altLang="en-US"/>
           </a:p>
@@ -2854,7 +2854,7 @@
           <a:p>
             <a:fld id="{E32B2D6A-1425-46CD-9D5F-E5AB1DDA7807}" type="datetimeFigureOut">
               <a:rPr kumimoji="1" lang="ja-JP" altLang="en-US" smtClean="0"/>
-              <a:t>2022/11/2</a:t>
+              <a:t>2022/11/21</a:t>
             </a:fld>
             <a:endParaRPr kumimoji="1" lang="ja-JP" altLang="en-US"/>
           </a:p>
@@ -3269,45 +3269,53 @@
             <p:ph type="ctrTitle"/>
           </p:nvPr>
         </p:nvSpPr>
-        <p:spPr/>
-        <p:txBody>
-          <a:bodyPr/>
-          <a:lstStyle/>
-          <a:p>
-            <a:r>
-              <a:rPr kumimoji="1" lang="ja-JP" altLang="en-US" dirty="0" smtClean="0"/>
-              <a:t>アクションゲーム</a:t>
-            </a:r>
-            <a:endParaRPr kumimoji="1" lang="ja-JP" altLang="en-US" dirty="0"/>
-          </a:p>
-        </p:txBody>
-      </p:sp>
-      <p:sp>
-        <p:nvSpPr>
-          <p:cNvPr id="3" name="サブタイトル 2"/>
-          <p:cNvSpPr>
-            <a:spLocks noGrp="1"/>
-          </p:cNvSpPr>
-          <p:nvPr>
-            <p:ph type="subTitle" idx="1"/>
-          </p:nvPr>
-        </p:nvSpPr>
-        <p:spPr/>
+        <p:spPr>
+          <a:xfrm>
+            <a:off x="2410287" y="2329248"/>
+            <a:ext cx="7150963" cy="1281668"/>
+          </a:xfrm>
+        </p:spPr>
         <p:txBody>
           <a:bodyPr>
-            <a:normAutofit/>
+            <a:noAutofit/>
           </a:bodyPr>
           <a:lstStyle/>
           <a:p>
             <a:r>
-              <a:rPr kumimoji="1" lang="ja-JP" altLang="en-US" sz="4000" dirty="0" smtClean="0"/>
-              <a:t>テーマ・</a:t>
-            </a:r>
-            <a:r>
-              <a:rPr kumimoji="1" lang="en-US" altLang="ja-JP" sz="4000" dirty="0" smtClean="0"/>
-              <a:t>LIFE</a:t>
-            </a:r>
-            <a:endParaRPr kumimoji="1" lang="ja-JP" altLang="en-US" sz="4000" dirty="0"/>
+              <a:rPr kumimoji="1" lang="ja-JP" altLang="en-US" sz="7200" dirty="0" smtClean="0"/>
+              <a:t>タイムアタックアクション</a:t>
+            </a:r>
+            <a:endParaRPr kumimoji="1" lang="ja-JP" altLang="en-US" sz="7200" dirty="0"/>
+          </a:p>
+        </p:txBody>
+      </p:sp>
+      <p:sp>
+        <p:nvSpPr>
+          <p:cNvPr id="4" name="テキスト ボックス 3"/>
+          <p:cNvSpPr txBox="1"/>
+          <p:nvPr/>
+        </p:nvSpPr>
+        <p:spPr>
+          <a:xfrm>
+            <a:off x="4721441" y="4320588"/>
+            <a:ext cx="2210539" cy="646331"/>
+          </a:xfrm>
+          <a:prstGeom prst="rect">
+            <a:avLst/>
+          </a:prstGeom>
+          <a:noFill/>
+        </p:spPr>
+        <p:txBody>
+          <a:bodyPr wrap="square" rtlCol="0">
+            <a:spAutoFit/>
+          </a:bodyPr>
+          <a:lstStyle/>
+          <a:p>
+            <a:r>
+              <a:rPr kumimoji="1" lang="ja-JP" altLang="en-US" sz="3600" dirty="0" smtClean="0"/>
+              <a:t>中田琉聖</a:t>
+            </a:r>
+            <a:endParaRPr kumimoji="1" lang="en-US" altLang="ja-JP" sz="3600" dirty="0" smtClean="0"/>
           </a:p>
         </p:txBody>
       </p:sp>
@@ -3371,8 +3379,8 @@
           <a:lstStyle/>
           <a:p>
             <a:r>
-              <a:rPr kumimoji="1" lang="ja-JP" altLang="en-US" sz="4000" dirty="0" smtClean="0"/>
-              <a:t>概要</a:t>
+              <a:rPr lang="ja-JP" altLang="en-US" sz="4000" dirty="0"/>
+              <a:t>目的</a:t>
             </a:r>
             <a:endParaRPr kumimoji="1" lang="ja-JP" altLang="en-US" sz="4000" dirty="0"/>
           </a:p>
@@ -3390,8 +3398,8 @@
         </p:nvSpPr>
         <p:spPr>
           <a:xfrm>
-            <a:off x="440923" y="1006461"/>
-            <a:ext cx="9368901" cy="2491342"/>
+            <a:off x="0" y="1166259"/>
+            <a:ext cx="9368901" cy="467232"/>
           </a:xfrm>
         </p:spPr>
         <p:txBody>
@@ -3401,97 +3409,10 @@
           <a:lstStyle/>
           <a:p>
             <a:r>
-              <a:rPr kumimoji="1" lang="ja-JP" altLang="en-US" dirty="0" smtClean="0"/>
-              <a:t>アスレチックステージを突破して早くゴールを目指す</a:t>
-            </a:r>
-            <a:endParaRPr kumimoji="1" lang="en-US" altLang="ja-JP" dirty="0" smtClean="0"/>
-          </a:p>
-          <a:p>
-            <a:r>
               <a:rPr lang="ja-JP" altLang="en-US" dirty="0" smtClean="0"/>
-              <a:t>ゴールした時のプレイヤーの</a:t>
-            </a:r>
-            <a:r>
-              <a:rPr lang="en-US" altLang="ja-JP" dirty="0" smtClean="0"/>
-              <a:t>HP</a:t>
-            </a:r>
-            <a:r>
-              <a:rPr lang="ja-JP" altLang="en-US" dirty="0" smtClean="0"/>
-              <a:t>に応じてタイムの増減がある</a:t>
+              <a:t>様々なトラップを回避して誰よりも早くゴールを目指そう</a:t>
             </a:r>
             <a:endParaRPr lang="en-US" altLang="ja-JP" dirty="0" smtClean="0"/>
-          </a:p>
-          <a:p>
-            <a:r>
-              <a:rPr kumimoji="1" lang="ja-JP" altLang="en-US" dirty="0" smtClean="0"/>
-              <a:t>早くゴールするだけでなく</a:t>
-            </a:r>
-            <a:r>
-              <a:rPr kumimoji="1" lang="en-US" altLang="ja-JP" dirty="0" smtClean="0"/>
-              <a:t>HP</a:t>
-            </a:r>
-            <a:r>
-              <a:rPr kumimoji="1" lang="ja-JP" altLang="en-US" dirty="0" smtClean="0"/>
-              <a:t>減らさないようにゴールを目指す</a:t>
-            </a:r>
-            <a:endParaRPr kumimoji="1" lang="en-US" altLang="ja-JP" dirty="0" smtClean="0"/>
-          </a:p>
-          <a:p>
-            <a:r>
-              <a:rPr lang="ja-JP" altLang="en-US" dirty="0" smtClean="0"/>
-              <a:t>ステージを</a:t>
-            </a:r>
-            <a:r>
-              <a:rPr lang="en-US" altLang="ja-JP" dirty="0" smtClean="0"/>
-              <a:t>3</a:t>
-            </a:r>
-            <a:r>
-              <a:rPr lang="ja-JP" altLang="en-US" dirty="0" smtClean="0"/>
-              <a:t>つぐ</a:t>
-            </a:r>
-            <a:r>
-              <a:rPr lang="ja-JP" altLang="en-US" dirty="0" err="1" smtClean="0"/>
-              <a:t>らい</a:t>
-            </a:r>
-            <a:r>
-              <a:rPr lang="ja-JP" altLang="en-US" dirty="0" smtClean="0"/>
-              <a:t>作ってすべてのステージの合計タイムを競う</a:t>
-            </a:r>
-            <a:endParaRPr kumimoji="1" lang="en-US" altLang="ja-JP" dirty="0" smtClean="0"/>
-          </a:p>
-          <a:p>
-            <a:r>
-              <a:rPr lang="ja-JP" altLang="en-US" dirty="0" smtClean="0"/>
-              <a:t>プレイヤー</a:t>
-            </a:r>
-            <a:r>
-              <a:rPr lang="en-US" altLang="ja-JP" dirty="0" smtClean="0"/>
-              <a:t>2</a:t>
-            </a:r>
-            <a:r>
-              <a:rPr lang="ja-JP" altLang="en-US" dirty="0" smtClean="0"/>
-              <a:t>人で同時スタートして競う</a:t>
-            </a:r>
-            <a:r>
-              <a:rPr lang="en-US" altLang="ja-JP" dirty="0" smtClean="0"/>
-              <a:t>(</a:t>
-            </a:r>
-            <a:r>
-              <a:rPr lang="ja-JP" altLang="en-US" dirty="0" smtClean="0"/>
-              <a:t>時間</a:t>
-            </a:r>
-            <a:r>
-              <a:rPr lang="ja-JP" altLang="en-US" dirty="0"/>
-              <a:t>が</a:t>
-            </a:r>
-            <a:r>
-              <a:rPr lang="ja-JP" altLang="en-US" dirty="0" smtClean="0"/>
-              <a:t>あれば</a:t>
-            </a:r>
-            <a:r>
-              <a:rPr lang="en-US" altLang="ja-JP" dirty="0" smtClean="0"/>
-              <a:t>)</a:t>
-            </a:r>
           </a:p>
         </p:txBody>
       </p:sp>
@@ -3503,7 +3424,7 @@
         </p:nvSpPr>
         <p:spPr>
           <a:xfrm>
-            <a:off x="656948" y="3657599"/>
+            <a:off x="1038688" y="1926453"/>
             <a:ext cx="1207363" cy="719091"/>
           </a:xfrm>
           <a:prstGeom prst="rect">
@@ -3547,7 +3468,7 @@
         </p:nvSpPr>
         <p:spPr>
           <a:xfrm>
-            <a:off x="3423822" y="3657599"/>
+            <a:off x="3515558" y="1926453"/>
             <a:ext cx="1411549" cy="719091"/>
           </a:xfrm>
           <a:prstGeom prst="rect">
@@ -3591,7 +3512,7 @@
         </p:nvCxnSpPr>
         <p:spPr>
           <a:xfrm>
-            <a:off x="1988598" y="4017144"/>
+            <a:off x="2246051" y="2285998"/>
             <a:ext cx="1269507" cy="0"/>
           </a:xfrm>
           <a:prstGeom prst="straightConnector1">
@@ -3693,6 +3614,44 @@
               <a:t>１＝２０秒</a:t>
             </a:r>
             <a:endParaRPr kumimoji="1" lang="ja-JP" altLang="en-US" sz="3600" dirty="0"/>
+          </a:p>
+        </p:txBody>
+      </p:sp>
+      <p:sp>
+        <p:nvSpPr>
+          <p:cNvPr id="6" name="テキスト ボックス 5"/>
+          <p:cNvSpPr txBox="1"/>
+          <p:nvPr/>
+        </p:nvSpPr>
+        <p:spPr>
+          <a:xfrm>
+            <a:off x="701336" y="3178206"/>
+            <a:ext cx="8522563" cy="372862"/>
+          </a:xfrm>
+          <a:prstGeom prst="rect">
+            <a:avLst/>
+          </a:prstGeom>
+          <a:noFill/>
+        </p:spPr>
+        <p:txBody>
+          <a:bodyPr wrap="square" rtlCol="0">
+            <a:spAutoFit/>
+          </a:bodyPr>
+          <a:lstStyle/>
+          <a:p>
+            <a:r>
+              <a:rPr kumimoji="1" lang="ja-JP" altLang="en-US" dirty="0" smtClean="0"/>
+              <a:t>プレイヤーの</a:t>
+            </a:r>
+            <a:r>
+              <a:rPr kumimoji="1" lang="en-US" altLang="ja-JP" dirty="0" smtClean="0"/>
+              <a:t>HP</a:t>
+            </a:r>
+            <a:r>
+              <a:rPr kumimoji="1" lang="ja-JP" altLang="en-US" dirty="0" smtClean="0"/>
+              <a:t>はゴール</a:t>
+            </a:r>
+            <a:endParaRPr kumimoji="1" lang="ja-JP" altLang="en-US" dirty="0"/>
           </a:p>
         </p:txBody>
       </p:sp>

--- a/個人製作(テーマ・LIFE).pptx
+++ b/個人製作(テーマ・LIFE).pptx
@@ -7,7 +7,9 @@
   <p:sldIdLst>
     <p:sldId id="256" r:id="rId2"/>
     <p:sldId id="257" r:id="rId3"/>
-    <p:sldId id="258" r:id="rId4"/>
+    <p:sldId id="260" r:id="rId4"/>
+    <p:sldId id="258" r:id="rId5"/>
+    <p:sldId id="259" r:id="rId6"/>
   </p:sldIdLst>
   <p:sldSz cx="12192000" cy="6858000"/>
   <p:notesSz cx="6858000" cy="9144000"/>
@@ -245,7 +247,7 @@
           <a:p>
             <a:fld id="{E32B2D6A-1425-46CD-9D5F-E5AB1DDA7807}" type="datetimeFigureOut">
               <a:rPr kumimoji="1" lang="ja-JP" altLang="en-US" smtClean="0"/>
-              <a:t>2022/11/21</a:t>
+              <a:t>2022/11/28</a:t>
             </a:fld>
             <a:endParaRPr kumimoji="1" lang="ja-JP" altLang="en-US"/>
           </a:p>
@@ -447,7 +449,7 @@
           <a:p>
             <a:fld id="{E32B2D6A-1425-46CD-9D5F-E5AB1DDA7807}" type="datetimeFigureOut">
               <a:rPr kumimoji="1" lang="ja-JP" altLang="en-US" smtClean="0"/>
-              <a:t>2022/11/21</a:t>
+              <a:t>2022/11/28</a:t>
             </a:fld>
             <a:endParaRPr kumimoji="1" lang="ja-JP" altLang="en-US"/>
           </a:p>
@@ -659,7 +661,7 @@
           <a:p>
             <a:fld id="{E32B2D6A-1425-46CD-9D5F-E5AB1DDA7807}" type="datetimeFigureOut">
               <a:rPr kumimoji="1" lang="ja-JP" altLang="en-US" smtClean="0"/>
-              <a:t>2022/11/21</a:t>
+              <a:t>2022/11/28</a:t>
             </a:fld>
             <a:endParaRPr kumimoji="1" lang="ja-JP" altLang="en-US"/>
           </a:p>
@@ -861,7 +863,7 @@
           <a:p>
             <a:fld id="{E32B2D6A-1425-46CD-9D5F-E5AB1DDA7807}" type="datetimeFigureOut">
               <a:rPr kumimoji="1" lang="ja-JP" altLang="en-US" smtClean="0"/>
-              <a:t>2022/11/21</a:t>
+              <a:t>2022/11/28</a:t>
             </a:fld>
             <a:endParaRPr kumimoji="1" lang="ja-JP" altLang="en-US"/>
           </a:p>
@@ -1107,7 +1109,7 @@
           <a:p>
             <a:fld id="{E32B2D6A-1425-46CD-9D5F-E5AB1DDA7807}" type="datetimeFigureOut">
               <a:rPr kumimoji="1" lang="ja-JP" altLang="en-US" smtClean="0"/>
-              <a:t>2022/11/21</a:t>
+              <a:t>2022/11/28</a:t>
             </a:fld>
             <a:endParaRPr kumimoji="1" lang="ja-JP" altLang="en-US"/>
           </a:p>
@@ -1403,7 +1405,7 @@
           <a:p>
             <a:fld id="{E32B2D6A-1425-46CD-9D5F-E5AB1DDA7807}" type="datetimeFigureOut">
               <a:rPr kumimoji="1" lang="ja-JP" altLang="en-US" smtClean="0"/>
-              <a:t>2022/11/21</a:t>
+              <a:t>2022/11/28</a:t>
             </a:fld>
             <a:endParaRPr kumimoji="1" lang="ja-JP" altLang="en-US"/>
           </a:p>
@@ -1834,7 +1836,7 @@
           <a:p>
             <a:fld id="{E32B2D6A-1425-46CD-9D5F-E5AB1DDA7807}" type="datetimeFigureOut">
               <a:rPr kumimoji="1" lang="ja-JP" altLang="en-US" smtClean="0"/>
-              <a:t>2022/11/21</a:t>
+              <a:t>2022/11/28</a:t>
             </a:fld>
             <a:endParaRPr kumimoji="1" lang="ja-JP" altLang="en-US"/>
           </a:p>
@@ -1952,7 +1954,7 @@
           <a:p>
             <a:fld id="{E32B2D6A-1425-46CD-9D5F-E5AB1DDA7807}" type="datetimeFigureOut">
               <a:rPr kumimoji="1" lang="ja-JP" altLang="en-US" smtClean="0"/>
-              <a:t>2022/11/21</a:t>
+              <a:t>2022/11/28</a:t>
             </a:fld>
             <a:endParaRPr kumimoji="1" lang="ja-JP" altLang="en-US"/>
           </a:p>
@@ -2047,7 +2049,7 @@
           <a:p>
             <a:fld id="{E32B2D6A-1425-46CD-9D5F-E5AB1DDA7807}" type="datetimeFigureOut">
               <a:rPr kumimoji="1" lang="ja-JP" altLang="en-US" smtClean="0"/>
-              <a:t>2022/11/21</a:t>
+              <a:t>2022/11/28</a:t>
             </a:fld>
             <a:endParaRPr kumimoji="1" lang="ja-JP" altLang="en-US"/>
           </a:p>
@@ -2356,7 +2358,7 @@
           <a:p>
             <a:fld id="{E32B2D6A-1425-46CD-9D5F-E5AB1DDA7807}" type="datetimeFigureOut">
               <a:rPr kumimoji="1" lang="ja-JP" altLang="en-US" smtClean="0"/>
-              <a:t>2022/11/21</a:t>
+              <a:t>2022/11/28</a:t>
             </a:fld>
             <a:endParaRPr kumimoji="1" lang="ja-JP" altLang="en-US"/>
           </a:p>
@@ -2609,7 +2611,7 @@
           <a:p>
             <a:fld id="{E32B2D6A-1425-46CD-9D5F-E5AB1DDA7807}" type="datetimeFigureOut">
               <a:rPr kumimoji="1" lang="ja-JP" altLang="en-US" smtClean="0"/>
-              <a:t>2022/11/21</a:t>
+              <a:t>2022/11/28</a:t>
             </a:fld>
             <a:endParaRPr kumimoji="1" lang="ja-JP" altLang="en-US"/>
           </a:p>
@@ -2674,9 +2676,30 @@
 <p:sldMaster xmlns:a="http://schemas.openxmlformats.org/drawingml/2006/main" xmlns:r="http://schemas.openxmlformats.org/officeDocument/2006/relationships" xmlns:p="http://schemas.openxmlformats.org/presentationml/2006/main">
   <p:cSld>
     <p:bg>
-      <p:bgRef idx="1001">
-        <a:schemeClr val="bg1"/>
-      </p:bgRef>
+      <p:bgPr>
+        <a:gradFill flip="none" rotWithShape="1">
+          <a:gsLst>
+            <a:gs pos="59000">
+              <a:schemeClr val="accent1">
+                <a:lumMod val="37000"/>
+                <a:lumOff val="63000"/>
+              </a:schemeClr>
+            </a:gs>
+            <a:gs pos="100000">
+              <a:schemeClr val="accent6"/>
+            </a:gs>
+            <a:gs pos="84000">
+              <a:schemeClr val="accent6"/>
+            </a:gs>
+            <a:gs pos="59000">
+              <a:schemeClr val="accent6"/>
+            </a:gs>
+          </a:gsLst>
+          <a:lin ang="5400000" scaled="1"/>
+          <a:tileRect/>
+        </a:gradFill>
+        <a:effectLst/>
+      </p:bgPr>
     </p:bg>
     <p:spTree>
       <p:nvGrpSpPr>
@@ -2854,7 +2877,7 @@
           <a:p>
             <a:fld id="{E32B2D6A-1425-46CD-9D5F-E5AB1DDA7807}" type="datetimeFigureOut">
               <a:rPr kumimoji="1" lang="ja-JP" altLang="en-US" smtClean="0"/>
-              <a:t>2022/11/21</a:t>
+              <a:t>2022/11/28</a:t>
             </a:fld>
             <a:endParaRPr kumimoji="1" lang="ja-JP" altLang="en-US"/>
           </a:p>
@@ -3271,7 +3294,7 @@
         </p:nvSpPr>
         <p:spPr>
           <a:xfrm>
-            <a:off x="2410287" y="2329248"/>
+            <a:off x="2251228" y="2186373"/>
             <a:ext cx="7150963" cy="1281668"/>
           </a:xfrm>
         </p:spPr>
@@ -3297,7 +3320,7 @@
         </p:nvSpPr>
         <p:spPr>
           <a:xfrm>
-            <a:off x="4721441" y="4320588"/>
+            <a:off x="9893516" y="6016038"/>
             <a:ext cx="2210539" cy="646331"/>
           </a:xfrm>
           <a:prstGeom prst="rect">
@@ -3319,6 +3342,65 @@
           </a:p>
         </p:txBody>
       </p:sp>
+      <p:pic>
+        <p:nvPicPr>
+          <p:cNvPr id="3" name="図 2"/>
+          <p:cNvPicPr>
+            <a:picLocks noChangeAspect="1"/>
+          </p:cNvPicPr>
+          <p:nvPr/>
+        </p:nvPicPr>
+        <p:blipFill>
+          <a:blip r:embed="rId2">
+            <a:extLst>
+              <a:ext uri="{28A0092B-C50C-407E-A947-70E740481C1C}">
+                <a14:useLocalDpi xmlns:a14="http://schemas.microsoft.com/office/drawing/2010/main" val="0"/>
+              </a:ext>
+            </a:extLst>
+          </a:blip>
+          <a:stretch>
+            <a:fillRect/>
+          </a:stretch>
+        </p:blipFill>
+        <p:spPr>
+          <a:xfrm>
+            <a:off x="10801350" y="3468041"/>
+            <a:ext cx="609600" cy="609600"/>
+          </a:xfrm>
+          <a:prstGeom prst="rect">
+            <a:avLst/>
+          </a:prstGeom>
+        </p:spPr>
+      </p:pic>
+      <p:pic>
+        <p:nvPicPr>
+          <p:cNvPr id="5" name="図 4"/>
+          <p:cNvPicPr>
+            <a:picLocks noChangeAspect="1"/>
+          </p:cNvPicPr>
+          <p:nvPr/>
+        </p:nvPicPr>
+        <p:blipFill rotWithShape="1">
+          <a:blip r:embed="rId3">
+            <a:extLst>
+              <a:ext uri="{28A0092B-C50C-407E-A947-70E740481C1C}">
+                <a14:useLocalDpi xmlns:a14="http://schemas.microsoft.com/office/drawing/2010/main" val="0"/>
+              </a:ext>
+            </a:extLst>
+          </a:blip>
+          <a:srcRect l="25285" t="8488" r="65834" b="83596"/>
+          <a:stretch/>
+        </p:blipFill>
+        <p:spPr>
+          <a:xfrm>
+            <a:off x="962024" y="3468041"/>
+            <a:ext cx="674312" cy="601017"/>
+          </a:xfrm>
+          <a:prstGeom prst="rect">
+            <a:avLst/>
+          </a:prstGeom>
+        </p:spPr>
+      </p:pic>
     </p:spTree>
     <p:extLst>
       <p:ext uri="{BB962C8B-B14F-4D97-AF65-F5344CB8AC3E}">
@@ -3368,13 +3450,13 @@
         </p:nvSpPr>
         <p:spPr>
           <a:xfrm>
-            <a:off x="591844" y="168676"/>
-            <a:ext cx="1964925" cy="837784"/>
+            <a:off x="952499" y="763210"/>
+            <a:ext cx="1233200" cy="643541"/>
           </a:xfrm>
         </p:spPr>
         <p:txBody>
           <a:bodyPr>
-            <a:normAutofit/>
+            <a:noAutofit/>
           </a:bodyPr>
           <a:lstStyle/>
           <a:p>
@@ -3398,38 +3480,81 @@
         </p:nvSpPr>
         <p:spPr>
           <a:xfrm>
-            <a:off x="0" y="1166259"/>
-            <a:ext cx="9368901" cy="467232"/>
+            <a:off x="1038687" y="1552018"/>
+            <a:ext cx="11153313" cy="1559476"/>
           </a:xfrm>
         </p:spPr>
         <p:txBody>
           <a:bodyPr>
-            <a:normAutofit/>
+            <a:noAutofit/>
           </a:bodyPr>
           <a:lstStyle/>
           <a:p>
-            <a:r>
-              <a:rPr lang="ja-JP" altLang="en-US" dirty="0" smtClean="0"/>
-              <a:t>様々なトラップを回避して誰よりも早くゴールを目指そう</a:t>
-            </a:r>
-            <a:endParaRPr lang="en-US" altLang="ja-JP" dirty="0" smtClean="0"/>
-          </a:p>
-        </p:txBody>
-      </p:sp>
-      <p:sp>
-        <p:nvSpPr>
-          <p:cNvPr id="4" name="正方形/長方形 3"/>
+            <a:pPr algn="l"/>
+            <a:r>
+              <a:rPr lang="ja-JP" altLang="en-US" sz="2800" dirty="0" smtClean="0"/>
+              <a:t>ステージ場に置かれたトロフィーを目指してひたすら走り続けよう</a:t>
+            </a:r>
+            <a:endParaRPr lang="en-US" altLang="ja-JP" sz="2800" dirty="0" smtClean="0"/>
+          </a:p>
+          <a:p>
+            <a:pPr algn="l"/>
+            <a:r>
+              <a:rPr lang="ja-JP" altLang="en-US" sz="2800" dirty="0" smtClean="0"/>
+              <a:t>ステージのいたるところにトラップが仕掛けられている</a:t>
+            </a:r>
+            <a:endParaRPr lang="en-US" altLang="ja-JP" sz="2800" dirty="0"/>
+          </a:p>
+          <a:p>
+            <a:pPr algn="l"/>
+            <a:r>
+              <a:rPr lang="ja-JP" altLang="en-US" sz="2800" b="1" u="sng" dirty="0" smtClean="0">
+                <a:solidFill>
+                  <a:srgbClr val="FF0000"/>
+                </a:solidFill>
+              </a:rPr>
+              <a:t>スピード</a:t>
+            </a:r>
+            <a:r>
+              <a:rPr lang="ja-JP" altLang="en-US" sz="2800" dirty="0" smtClean="0"/>
+              <a:t>も重要だが</a:t>
+            </a:r>
+            <a:r>
+              <a:rPr lang="ja-JP" altLang="en-US" sz="2800" b="1" u="sng" dirty="0" smtClean="0">
+                <a:solidFill>
+                  <a:srgbClr val="FF0000"/>
+                </a:solidFill>
+              </a:rPr>
+              <a:t>回避</a:t>
+            </a:r>
+            <a:r>
+              <a:rPr lang="ja-JP" altLang="en-US" sz="2800" dirty="0" smtClean="0"/>
+              <a:t>することも重要になる</a:t>
+            </a:r>
+            <a:endParaRPr lang="en-US" altLang="ja-JP" sz="2800" dirty="0" smtClean="0"/>
+          </a:p>
+        </p:txBody>
+      </p:sp>
+      <p:sp>
+        <p:nvSpPr>
+          <p:cNvPr id="8" name="ハート 7"/>
           <p:cNvSpPr/>
           <p:nvPr/>
         </p:nvSpPr>
         <p:spPr>
           <a:xfrm>
-            <a:off x="1038688" y="1926453"/>
-            <a:ext cx="1207363" cy="719091"/>
-          </a:xfrm>
-          <a:prstGeom prst="rect">
+            <a:off x="6977940" y="5043381"/>
+            <a:ext cx="861135" cy="752900"/>
+          </a:xfrm>
+          <a:prstGeom prst="heart">
             <a:avLst/>
           </a:prstGeom>
+          <a:solidFill>
+            <a:schemeClr val="accent2">
+              <a:lumMod val="60000"/>
+              <a:lumOff val="40000"/>
+            </a:schemeClr>
+          </a:solidFill>
         </p:spPr>
         <p:style>
           <a:lnRef idx="2">
@@ -3452,133 +3577,6 @@
           <a:lstStyle/>
           <a:p>
             <a:pPr algn="ctr"/>
-            <a:r>
-              <a:rPr kumimoji="1" lang="ja-JP" altLang="en-US" dirty="0" smtClean="0"/>
-              <a:t>スタート</a:t>
-            </a:r>
-            <a:endParaRPr kumimoji="1" lang="ja-JP" altLang="en-US" dirty="0"/>
-          </a:p>
-        </p:txBody>
-      </p:sp>
-      <p:sp>
-        <p:nvSpPr>
-          <p:cNvPr id="5" name="正方形/長方形 4"/>
-          <p:cNvSpPr/>
-          <p:nvPr/>
-        </p:nvSpPr>
-        <p:spPr>
-          <a:xfrm>
-            <a:off x="3515558" y="1926453"/>
-            <a:ext cx="1411549" cy="719091"/>
-          </a:xfrm>
-          <a:prstGeom prst="rect">
-            <a:avLst/>
-          </a:prstGeom>
-        </p:spPr>
-        <p:style>
-          <a:lnRef idx="2">
-            <a:schemeClr val="accent1">
-              <a:shade val="50000"/>
-            </a:schemeClr>
-          </a:lnRef>
-          <a:fillRef idx="1">
-            <a:schemeClr val="accent1"/>
-          </a:fillRef>
-          <a:effectRef idx="0">
-            <a:schemeClr val="accent1"/>
-          </a:effectRef>
-          <a:fontRef idx="minor">
-            <a:schemeClr val="lt1"/>
-          </a:fontRef>
-        </p:style>
-        <p:txBody>
-          <a:bodyPr rtlCol="0" anchor="ctr"/>
-          <a:lstStyle/>
-          <a:p>
-            <a:pPr algn="ctr"/>
-            <a:r>
-              <a:rPr kumimoji="1" lang="ja-JP" altLang="en-US" dirty="0" smtClean="0"/>
-              <a:t>ゴール</a:t>
-            </a:r>
-            <a:endParaRPr kumimoji="1" lang="ja-JP" altLang="en-US" dirty="0"/>
-          </a:p>
-        </p:txBody>
-      </p:sp>
-      <p:cxnSp>
-        <p:nvCxnSpPr>
-          <p:cNvPr id="7" name="直線矢印コネクタ 6"/>
-          <p:cNvCxnSpPr/>
-          <p:nvPr/>
-        </p:nvCxnSpPr>
-        <p:spPr>
-          <a:xfrm>
-            <a:off x="2246051" y="2285998"/>
-            <a:ext cx="1269507" cy="0"/>
-          </a:xfrm>
-          <a:prstGeom prst="straightConnector1">
-            <a:avLst/>
-          </a:prstGeom>
-          <a:ln>
-            <a:tailEnd type="triangle"/>
-          </a:ln>
-        </p:spPr>
-        <p:style>
-          <a:lnRef idx="1">
-            <a:schemeClr val="accent1"/>
-          </a:lnRef>
-          <a:fillRef idx="0">
-            <a:schemeClr val="accent1"/>
-          </a:fillRef>
-          <a:effectRef idx="0">
-            <a:schemeClr val="accent1"/>
-          </a:effectRef>
-          <a:fontRef idx="minor">
-            <a:schemeClr val="tx1"/>
-          </a:fontRef>
-        </p:style>
-      </p:cxnSp>
-      <p:sp>
-        <p:nvSpPr>
-          <p:cNvPr id="8" name="ハート 7"/>
-          <p:cNvSpPr/>
-          <p:nvPr/>
-        </p:nvSpPr>
-        <p:spPr>
-          <a:xfrm>
-            <a:off x="7208668" y="3817397"/>
-            <a:ext cx="612559" cy="559293"/>
-          </a:xfrm>
-          <a:prstGeom prst="heart">
-            <a:avLst/>
-          </a:prstGeom>
-          <a:solidFill>
-            <a:schemeClr val="accent2">
-              <a:lumMod val="60000"/>
-              <a:lumOff val="40000"/>
-            </a:schemeClr>
-          </a:solidFill>
-        </p:spPr>
-        <p:style>
-          <a:lnRef idx="2">
-            <a:schemeClr val="accent1">
-              <a:shade val="50000"/>
-            </a:schemeClr>
-          </a:lnRef>
-          <a:fillRef idx="1">
-            <a:schemeClr val="accent1"/>
-          </a:fillRef>
-          <a:effectRef idx="0">
-            <a:schemeClr val="accent1"/>
-          </a:effectRef>
-          <a:fontRef idx="minor">
-            <a:schemeClr val="lt1"/>
-          </a:fontRef>
-        </p:style>
-        <p:txBody>
-          <a:bodyPr rtlCol="0" anchor="ctr"/>
-          <a:lstStyle/>
-          <a:p>
-            <a:pPr algn="ctr"/>
             <a:endParaRPr kumimoji="1" lang="ja-JP" altLang="en-US"/>
           </a:p>
         </p:txBody>
@@ -3591,8 +3589,8 @@
         </p:nvSpPr>
         <p:spPr>
           <a:xfrm>
-            <a:off x="7981025" y="3773877"/>
-            <a:ext cx="3062797" cy="646331"/>
+            <a:off x="7839075" y="5050044"/>
+            <a:ext cx="3357146" cy="646331"/>
           </a:xfrm>
           <a:prstGeom prst="rect">
             <a:avLst/>
@@ -3617,16 +3615,45 @@
           </a:p>
         </p:txBody>
       </p:sp>
-      <p:sp>
-        <p:nvSpPr>
-          <p:cNvPr id="6" name="テキスト ボックス 5"/>
+      <p:pic>
+        <p:nvPicPr>
+          <p:cNvPr id="11" name="図 10"/>
+          <p:cNvPicPr>
+            <a:picLocks noChangeAspect="1"/>
+          </p:cNvPicPr>
+          <p:nvPr/>
+        </p:nvPicPr>
+        <p:blipFill rotWithShape="1">
+          <a:blip r:embed="rId2">
+            <a:extLst>
+              <a:ext uri="{28A0092B-C50C-407E-A947-70E740481C1C}">
+                <a14:useLocalDpi xmlns:a14="http://schemas.microsoft.com/office/drawing/2010/main" val="0"/>
+              </a:ext>
+            </a:extLst>
+          </a:blip>
+          <a:srcRect l="67188" t="-3125" r="25260"/>
+          <a:stretch/>
+        </p:blipFill>
+        <p:spPr>
+          <a:xfrm>
+            <a:off x="610062" y="5043381"/>
+            <a:ext cx="428625" cy="975491"/>
+          </a:xfrm>
+          <a:prstGeom prst="rect">
+            <a:avLst/>
+          </a:prstGeom>
+        </p:spPr>
+      </p:pic>
+      <p:sp>
+        <p:nvSpPr>
+          <p:cNvPr id="13" name="テキスト ボックス 12"/>
           <p:cNvSpPr txBox="1"/>
           <p:nvPr/>
         </p:nvSpPr>
         <p:spPr>
           <a:xfrm>
-            <a:off x="701336" y="3178206"/>
-            <a:ext cx="8522563" cy="372862"/>
+            <a:off x="348125" y="4248150"/>
+            <a:ext cx="2623675" cy="523220"/>
           </a:xfrm>
           <a:prstGeom prst="rect">
             <a:avLst/>
@@ -3640,21 +3667,102 @@
           <a:lstStyle/>
           <a:p>
             <a:r>
-              <a:rPr kumimoji="1" lang="ja-JP" altLang="en-US" dirty="0" smtClean="0"/>
-              <a:t>プレイヤーの</a:t>
-            </a:r>
-            <a:r>
-              <a:rPr kumimoji="1" lang="en-US" altLang="ja-JP" dirty="0" smtClean="0"/>
-              <a:t>HP</a:t>
-            </a:r>
-            <a:r>
-              <a:rPr kumimoji="1" lang="ja-JP" altLang="en-US" dirty="0" smtClean="0"/>
-              <a:t>はゴール</a:t>
-            </a:r>
-            <a:endParaRPr kumimoji="1" lang="ja-JP" altLang="en-US" dirty="0"/>
-          </a:p>
-        </p:txBody>
-      </p:sp>
+              <a:rPr kumimoji="1" lang="ja-JP" altLang="en-US" sz="2800" dirty="0" smtClean="0"/>
+              <a:t>トラップ一覧</a:t>
+            </a:r>
+            <a:endParaRPr kumimoji="1" lang="ja-JP" altLang="en-US" sz="2800" dirty="0"/>
+          </a:p>
+        </p:txBody>
+      </p:sp>
+      <p:pic>
+        <p:nvPicPr>
+          <p:cNvPr id="16" name="図 15"/>
+          <p:cNvPicPr>
+            <a:picLocks noChangeAspect="1"/>
+          </p:cNvPicPr>
+          <p:nvPr/>
+        </p:nvPicPr>
+        <p:blipFill>
+          <a:blip r:embed="rId3">
+            <a:extLst>
+              <a:ext uri="{28A0092B-C50C-407E-A947-70E740481C1C}">
+                <a14:useLocalDpi xmlns:a14="http://schemas.microsoft.com/office/drawing/2010/main" val="0"/>
+              </a:ext>
+            </a:extLst>
+          </a:blip>
+          <a:stretch>
+            <a:fillRect/>
+          </a:stretch>
+        </p:blipFill>
+        <p:spPr>
+          <a:xfrm>
+            <a:off x="10801350" y="3468041"/>
+            <a:ext cx="609600" cy="609600"/>
+          </a:xfrm>
+          <a:prstGeom prst="rect">
+            <a:avLst/>
+          </a:prstGeom>
+        </p:spPr>
+      </p:pic>
+      <p:pic>
+        <p:nvPicPr>
+          <p:cNvPr id="17" name="図 16"/>
+          <p:cNvPicPr>
+            <a:picLocks noChangeAspect="1"/>
+          </p:cNvPicPr>
+          <p:nvPr/>
+        </p:nvPicPr>
+        <p:blipFill rotWithShape="1">
+          <a:blip r:embed="rId4">
+            <a:extLst>
+              <a:ext uri="{28A0092B-C50C-407E-A947-70E740481C1C}">
+                <a14:useLocalDpi xmlns:a14="http://schemas.microsoft.com/office/drawing/2010/main" val="0"/>
+              </a:ext>
+            </a:extLst>
+          </a:blip>
+          <a:srcRect l="25285" t="8488" r="65834" b="83596"/>
+          <a:stretch/>
+        </p:blipFill>
+        <p:spPr>
+          <a:xfrm>
+            <a:off x="1211637" y="3468041"/>
+            <a:ext cx="674312" cy="601017"/>
+          </a:xfrm>
+          <a:prstGeom prst="rect">
+            <a:avLst/>
+          </a:prstGeom>
+        </p:spPr>
+      </p:pic>
+      <p:pic>
+        <p:nvPicPr>
+          <p:cNvPr id="18" name="図 17"/>
+          <p:cNvPicPr>
+            <a:picLocks noChangeAspect="1"/>
+          </p:cNvPicPr>
+          <p:nvPr/>
+        </p:nvPicPr>
+        <p:blipFill>
+          <a:blip r:embed="rId5">
+            <a:extLst>
+              <a:ext uri="{28A0092B-C50C-407E-A947-70E740481C1C}">
+                <a14:useLocalDpi xmlns:a14="http://schemas.microsoft.com/office/drawing/2010/main" val="0"/>
+              </a:ext>
+            </a:extLst>
+          </a:blip>
+          <a:stretch>
+            <a:fillRect/>
+          </a:stretch>
+        </p:blipFill>
+        <p:spPr>
+          <a:xfrm>
+            <a:off x="1569098" y="5696375"/>
+            <a:ext cx="316851" cy="337975"/>
+          </a:xfrm>
+          <a:prstGeom prst="rect">
+            <a:avLst/>
+          </a:prstGeom>
+        </p:spPr>
+      </p:pic>
     </p:spTree>
     <p:extLst>
       <p:ext uri="{BB962C8B-B14F-4D97-AF65-F5344CB8AC3E}">
@@ -3668,7 +3776,136 @@
   <p:timing>
     <p:tnLst>
       <p:par>
-        <p:cTn id="1" dur="indefinite" restart="never" nodeType="tmRoot"/>
+        <p:cTn id="1" dur="indefinite" restart="never" nodeType="tmRoot">
+          <p:childTnLst>
+            <p:seq concurrent="1" nextAc="seek">
+              <p:cTn id="2" dur="indefinite" nodeType="mainSeq">
+                <p:childTnLst>
+                  <p:par>
+                    <p:cTn id="3" fill="hold">
+                      <p:stCondLst>
+                        <p:cond delay="indefinite"/>
+                      </p:stCondLst>
+                      <p:childTnLst>
+                        <p:par>
+                          <p:cTn id="4" fill="hold">
+                            <p:stCondLst>
+                              <p:cond delay="0"/>
+                            </p:stCondLst>
+                            <p:childTnLst>
+                              <p:par>
+                                <p:cTn id="5" presetID="22" presetClass="entr" presetSubtype="4" fill="hold" nodeType="clickEffect">
+                                  <p:stCondLst>
+                                    <p:cond delay="0"/>
+                                  </p:stCondLst>
+                                  <p:childTnLst>
+                                    <p:set>
+                                      <p:cBhvr>
+                                        <p:cTn id="6" dur="1" fill="hold">
+                                          <p:stCondLst>
+                                            <p:cond delay="0"/>
+                                          </p:stCondLst>
+                                        </p:cTn>
+                                        <p:tgtEl>
+                                          <p:spTgt spid="11"/>
+                                        </p:tgtEl>
+                                        <p:attrNameLst>
+                                          <p:attrName>style.visibility</p:attrName>
+                                        </p:attrNameLst>
+                                      </p:cBhvr>
+                                      <p:to>
+                                        <p:strVal val="visible"/>
+                                      </p:to>
+                                    </p:set>
+                                    <p:animEffect transition="in" filter="wipe(down)">
+                                      <p:cBhvr>
+                                        <p:cTn id="7" dur="500"/>
+                                        <p:tgtEl>
+                                          <p:spTgt spid="11"/>
+                                        </p:tgtEl>
+                                      </p:cBhvr>
+                                    </p:animEffect>
+                                  </p:childTnLst>
+                                </p:cTn>
+                              </p:par>
+                            </p:childTnLst>
+                          </p:cTn>
+                        </p:par>
+                      </p:childTnLst>
+                    </p:cTn>
+                  </p:par>
+                  <p:par>
+                    <p:cTn id="8" fill="hold">
+                      <p:stCondLst>
+                        <p:cond delay="indefinite"/>
+                      </p:stCondLst>
+                      <p:childTnLst>
+                        <p:par>
+                          <p:cTn id="9" fill="hold">
+                            <p:stCondLst>
+                              <p:cond delay="0"/>
+                            </p:stCondLst>
+                            <p:childTnLst>
+                              <p:par>
+                                <p:cTn id="10" presetID="22" presetClass="entr" presetSubtype="4" fill="hold" nodeType="clickEffect">
+                                  <p:stCondLst>
+                                    <p:cond delay="0"/>
+                                  </p:stCondLst>
+                                  <p:childTnLst>
+                                    <p:set>
+                                      <p:cBhvr>
+                                        <p:cTn id="11" dur="1" fill="hold">
+                                          <p:stCondLst>
+                                            <p:cond delay="0"/>
+                                          </p:stCondLst>
+                                        </p:cTn>
+                                        <p:tgtEl>
+                                          <p:spTgt spid="18"/>
+                                        </p:tgtEl>
+                                        <p:attrNameLst>
+                                          <p:attrName>style.visibility</p:attrName>
+                                        </p:attrNameLst>
+                                      </p:cBhvr>
+                                      <p:to>
+                                        <p:strVal val="visible"/>
+                                      </p:to>
+                                    </p:set>
+                                    <p:animEffect transition="in" filter="wipe(down)">
+                                      <p:cBhvr>
+                                        <p:cTn id="12" dur="500"/>
+                                        <p:tgtEl>
+                                          <p:spTgt spid="18"/>
+                                        </p:tgtEl>
+                                      </p:cBhvr>
+                                    </p:animEffect>
+                                  </p:childTnLst>
+                                </p:cTn>
+                              </p:par>
+                            </p:childTnLst>
+                          </p:cTn>
+                        </p:par>
+                      </p:childTnLst>
+                    </p:cTn>
+                  </p:par>
+                </p:childTnLst>
+              </p:cTn>
+              <p:prevCondLst>
+                <p:cond evt="onPrev" delay="0">
+                  <p:tgtEl>
+                    <p:sldTgt/>
+                  </p:tgtEl>
+                </p:cond>
+              </p:prevCondLst>
+              <p:nextCondLst>
+                <p:cond evt="onNext" delay="0">
+                  <p:tgtEl>
+                    <p:sldTgt/>
+                  </p:tgtEl>
+                </p:cond>
+              </p:nextCondLst>
+            </p:seq>
+          </p:childTnLst>
+        </p:cTn>
       </p:par>
     </p:tnLst>
   </p:timing>
@@ -3709,97 +3946,340 @@
           <a:p>
             <a:r>
               <a:rPr kumimoji="1" lang="ja-JP" altLang="en-US" dirty="0" smtClean="0"/>
-              <a:t>必要なデータ</a:t>
+              <a:t>ゲーム概要</a:t>
             </a:r>
             <a:endParaRPr kumimoji="1" lang="ja-JP" altLang="en-US" dirty="0"/>
           </a:p>
         </p:txBody>
       </p:sp>
-      <p:sp>
-        <p:nvSpPr>
-          <p:cNvPr id="3" name="コンテンツ プレースホルダー 2"/>
-          <p:cNvSpPr>
-            <a:spLocks noGrp="1"/>
-          </p:cNvSpPr>
-          <p:nvPr>
-            <p:ph idx="1"/>
-          </p:nvPr>
-        </p:nvSpPr>
-        <p:spPr>
-          <a:xfrm>
-            <a:off x="838200" y="1825625"/>
-            <a:ext cx="4337482" cy="4351338"/>
-          </a:xfrm>
-        </p:spPr>
+      <p:pic>
+        <p:nvPicPr>
+          <p:cNvPr id="4" name="図 3"/>
+          <p:cNvPicPr>
+            <a:picLocks noChangeAspect="1"/>
+          </p:cNvPicPr>
+          <p:nvPr/>
+        </p:nvPicPr>
+        <p:blipFill rotWithShape="1">
+          <a:blip r:embed="rId2">
+            <a:extLst>
+              <a:ext uri="{28A0092B-C50C-407E-A947-70E740481C1C}">
+                <a14:useLocalDpi xmlns:a14="http://schemas.microsoft.com/office/drawing/2010/main" val="0"/>
+              </a:ext>
+            </a:extLst>
+          </a:blip>
+          <a:srcRect l="25285" t="8488" r="65834" b="83596"/>
+          <a:stretch/>
+        </p:blipFill>
+        <p:spPr>
+          <a:xfrm>
+            <a:off x="1211637" y="3468041"/>
+            <a:ext cx="674312" cy="601017"/>
+          </a:xfrm>
+          <a:prstGeom prst="rect">
+            <a:avLst/>
+          </a:prstGeom>
+        </p:spPr>
+      </p:pic>
+      <p:pic>
+        <p:nvPicPr>
+          <p:cNvPr id="5" name="図 4"/>
+          <p:cNvPicPr>
+            <a:picLocks noChangeAspect="1"/>
+          </p:cNvPicPr>
+          <p:nvPr/>
+        </p:nvPicPr>
+        <p:blipFill>
+          <a:blip r:embed="rId3">
+            <a:extLst>
+              <a:ext uri="{28A0092B-C50C-407E-A947-70E740481C1C}">
+                <a14:useLocalDpi xmlns:a14="http://schemas.microsoft.com/office/drawing/2010/main" val="0"/>
+              </a:ext>
+            </a:extLst>
+          </a:blip>
+          <a:stretch>
+            <a:fillRect/>
+          </a:stretch>
+        </p:blipFill>
+        <p:spPr>
+          <a:xfrm>
+            <a:off x="10801350" y="3468041"/>
+            <a:ext cx="609600" cy="609600"/>
+          </a:xfrm>
+          <a:prstGeom prst="rect">
+            <a:avLst/>
+          </a:prstGeom>
+        </p:spPr>
+      </p:pic>
+      <p:sp>
+        <p:nvSpPr>
+          <p:cNvPr id="6" name="テキスト ボックス 5"/>
+          <p:cNvSpPr txBox="1"/>
+          <p:nvPr/>
+        </p:nvSpPr>
+        <p:spPr>
+          <a:xfrm>
+            <a:off x="942975" y="1609868"/>
+            <a:ext cx="2257425" cy="523220"/>
+          </a:xfrm>
+          <a:prstGeom prst="rect">
+            <a:avLst/>
+          </a:prstGeom>
+          <a:noFill/>
+        </p:spPr>
+        <p:txBody>
+          <a:bodyPr wrap="square" rtlCol="0">
+            <a:spAutoFit/>
+          </a:bodyPr>
+          <a:lstStyle/>
+          <a:p>
+            <a:r>
+              <a:rPr kumimoji="1" lang="ja-JP" altLang="en-US" sz="2800" dirty="0" smtClean="0"/>
+              <a:t>一人プレイ</a:t>
+            </a:r>
+            <a:endParaRPr kumimoji="1" lang="en-US" altLang="ja-JP" sz="2800" dirty="0" smtClean="0"/>
+          </a:p>
+        </p:txBody>
+      </p:sp>
+      <p:sp>
+        <p:nvSpPr>
+          <p:cNvPr id="7" name="テキスト ボックス 6"/>
+          <p:cNvSpPr txBox="1"/>
+          <p:nvPr/>
+        </p:nvSpPr>
+        <p:spPr>
+          <a:xfrm>
+            <a:off x="942975" y="4276725"/>
+            <a:ext cx="2705100" cy="523220"/>
+          </a:xfrm>
+          <a:prstGeom prst="rect">
+            <a:avLst/>
+          </a:prstGeom>
+          <a:noFill/>
+        </p:spPr>
+        <p:txBody>
+          <a:bodyPr wrap="square" rtlCol="0">
+            <a:spAutoFit/>
+          </a:bodyPr>
+          <a:lstStyle/>
+          <a:p>
+            <a:r>
+              <a:rPr kumimoji="1" lang="ja-JP" altLang="en-US" sz="2800" dirty="0" smtClean="0"/>
+              <a:t>二人プレイ</a:t>
+            </a:r>
+            <a:endParaRPr kumimoji="1" lang="ja-JP" altLang="en-US" sz="2800" dirty="0"/>
+          </a:p>
+        </p:txBody>
+      </p:sp>
+    </p:spTree>
+    <p:extLst>
+      <p:ext uri="{BB962C8B-B14F-4D97-AF65-F5344CB8AC3E}">
+        <p14:creationId xmlns:p14="http://schemas.microsoft.com/office/powerpoint/2010/main" val="1954387184"/>
+      </p:ext>
+    </p:extLst>
+  </p:cSld>
+  <p:clrMapOvr>
+    <a:masterClrMapping/>
+  </p:clrMapOvr>
+  <p:timing>
+    <p:tnLst>
+      <p:par>
+        <p:cTn id="1" dur="indefinite" restart="never" nodeType="tmRoot"/>
+      </p:par>
+    </p:tnLst>
+  </p:timing>
+</p:sld>
+</file>
+
+<file path=ppt/slides/slide4.xml><?xml version="1.0" encoding="utf-8"?>
+<p:sld xmlns:a="http://schemas.openxmlformats.org/drawingml/2006/main" xmlns:r="http://schemas.openxmlformats.org/officeDocument/2006/relationships" xmlns:p="http://schemas.openxmlformats.org/presentationml/2006/main">
+  <p:cSld>
+    <p:spTree>
+      <p:nvGrpSpPr>
+        <p:cNvPr id="1" name=""/>
+        <p:cNvGrpSpPr/>
+        <p:nvPr/>
+      </p:nvGrpSpPr>
+      <p:grpSpPr>
+        <a:xfrm>
+          <a:off x="0" y="0"/>
+          <a:ext cx="0" cy="0"/>
+          <a:chOff x="0" y="0"/>
+          <a:chExt cx="0" cy="0"/>
+        </a:xfrm>
+      </p:grpSpPr>
+      <p:sp>
+        <p:nvSpPr>
+          <p:cNvPr id="7" name="タイトル 6"/>
+          <p:cNvSpPr>
+            <a:spLocks noGrp="1"/>
+          </p:cNvSpPr>
+          <p:nvPr>
+            <p:ph type="title"/>
+          </p:nvPr>
+        </p:nvSpPr>
+        <p:spPr/>
         <p:txBody>
           <a:bodyPr/>
           <a:lstStyle/>
           <a:p>
             <a:r>
-              <a:rPr kumimoji="1" lang="en-US" altLang="ja-JP" dirty="0" smtClean="0"/>
-              <a:t>Player</a:t>
-            </a:r>
-          </a:p>
-          <a:p>
-            <a:r>
-              <a:rPr lang="en-US" altLang="ja-JP" dirty="0" smtClean="0"/>
-              <a:t>Enemy</a:t>
-            </a:r>
-          </a:p>
-          <a:p>
-            <a:r>
-              <a:rPr kumimoji="1" lang="en-US" altLang="ja-JP" dirty="0" err="1" smtClean="0"/>
-              <a:t>Gole</a:t>
-            </a:r>
-            <a:endParaRPr kumimoji="1" lang="en-US" altLang="ja-JP" dirty="0" smtClean="0"/>
-          </a:p>
-          <a:p>
-            <a:r>
-              <a:rPr lang="en-US" altLang="ja-JP" dirty="0" smtClean="0"/>
-              <a:t>UI</a:t>
-            </a:r>
-          </a:p>
-          <a:p>
-            <a:r>
-              <a:rPr kumimoji="1" lang="en-US" altLang="ja-JP" dirty="0" smtClean="0"/>
-              <a:t>Trap</a:t>
-            </a:r>
-            <a:endParaRPr lang="en-US" altLang="ja-JP" dirty="0"/>
-          </a:p>
-          <a:p>
-            <a:r>
-              <a:rPr lang="en-US" altLang="ja-JP" dirty="0" smtClean="0"/>
-              <a:t>Title</a:t>
-            </a:r>
-          </a:p>
-          <a:p>
-            <a:r>
-              <a:rPr kumimoji="1" lang="en-US" altLang="ja-JP" dirty="0" smtClean="0"/>
-              <a:t>Time</a:t>
-            </a:r>
-          </a:p>
-          <a:p>
-            <a:r>
-              <a:rPr lang="en-US" altLang="ja-JP" smtClean="0"/>
-              <a:t>Item</a:t>
-            </a:r>
-            <a:endParaRPr kumimoji="1" lang="en-US" altLang="ja-JP" dirty="0" smtClean="0"/>
-          </a:p>
-          <a:p>
-            <a:endParaRPr kumimoji="1" lang="en-US" altLang="ja-JP" dirty="0" smtClean="0"/>
+              <a:rPr kumimoji="1" lang="ja-JP" altLang="en-US" dirty="0" smtClean="0"/>
+              <a:t>操作方法</a:t>
+            </a:r>
+            <a:endParaRPr kumimoji="1" lang="ja-JP" altLang="en-US" dirty="0"/>
+          </a:p>
+        </p:txBody>
+      </p:sp>
+      <p:pic>
+        <p:nvPicPr>
+          <p:cNvPr id="8" name="図 7"/>
+          <p:cNvPicPr>
+            <a:picLocks noChangeAspect="1"/>
+          </p:cNvPicPr>
+          <p:nvPr/>
+        </p:nvPicPr>
+        <p:blipFill rotWithShape="1">
+          <a:blip r:embed="rId2">
+            <a:extLst>
+              <a:ext uri="{28A0092B-C50C-407E-A947-70E740481C1C}">
+                <a14:useLocalDpi xmlns:a14="http://schemas.microsoft.com/office/drawing/2010/main" val="0"/>
+              </a:ext>
+            </a:extLst>
+          </a:blip>
+          <a:srcRect l="25285" t="8488" r="65834" b="83596"/>
+          <a:stretch/>
+        </p:blipFill>
+        <p:spPr>
+          <a:xfrm>
+            <a:off x="1733549" y="3468041"/>
+            <a:ext cx="674312" cy="601017"/>
+          </a:xfrm>
+          <a:prstGeom prst="rect">
+            <a:avLst/>
+          </a:prstGeom>
+        </p:spPr>
+      </p:pic>
+      <p:pic>
+        <p:nvPicPr>
+          <p:cNvPr id="9" name="図 8"/>
+          <p:cNvPicPr>
+            <a:picLocks noChangeAspect="1"/>
+          </p:cNvPicPr>
+          <p:nvPr/>
+        </p:nvPicPr>
+        <p:blipFill>
+          <a:blip r:embed="rId3">
+            <a:extLst>
+              <a:ext uri="{28A0092B-C50C-407E-A947-70E740481C1C}">
+                <a14:useLocalDpi xmlns:a14="http://schemas.microsoft.com/office/drawing/2010/main" val="0"/>
+              </a:ext>
+            </a:extLst>
+          </a:blip>
+          <a:stretch>
+            <a:fillRect/>
+          </a:stretch>
+        </p:blipFill>
+        <p:spPr>
+          <a:xfrm>
+            <a:off x="10801350" y="3468041"/>
+            <a:ext cx="609600" cy="609600"/>
+          </a:xfrm>
+          <a:prstGeom prst="rect">
+            <a:avLst/>
+          </a:prstGeom>
+        </p:spPr>
+      </p:pic>
+      <p:sp>
+        <p:nvSpPr>
+          <p:cNvPr id="10" name="テキスト ボックス 9"/>
+          <p:cNvSpPr txBox="1"/>
+          <p:nvPr/>
+        </p:nvSpPr>
+        <p:spPr>
+          <a:xfrm>
+            <a:off x="838200" y="1405938"/>
+            <a:ext cx="9429752" cy="2062103"/>
+          </a:xfrm>
+          <a:prstGeom prst="rect">
+            <a:avLst/>
+          </a:prstGeom>
+          <a:noFill/>
+        </p:spPr>
+        <p:txBody>
+          <a:bodyPr wrap="square" rtlCol="0">
+            <a:spAutoFit/>
+          </a:bodyPr>
+          <a:lstStyle/>
+          <a:p>
+            <a:r>
+              <a:rPr lang="ja-JP" altLang="en-US" sz="3200" dirty="0"/>
+              <a:t>右</a:t>
+            </a:r>
+            <a:r>
+              <a:rPr lang="ja-JP" altLang="en-US" sz="3200" dirty="0" smtClean="0"/>
+              <a:t>移動       </a:t>
+            </a:r>
+            <a:r>
+              <a:rPr lang="en-US" altLang="ja-JP" sz="3200" dirty="0" smtClean="0"/>
+              <a:t>D</a:t>
+            </a:r>
+          </a:p>
+          <a:p>
+            <a:r>
+              <a:rPr kumimoji="1" lang="ja-JP" altLang="en-US" sz="3200" dirty="0"/>
+              <a:t>左</a:t>
+            </a:r>
+            <a:r>
+              <a:rPr kumimoji="1" lang="ja-JP" altLang="en-US" sz="3200" dirty="0" smtClean="0"/>
+              <a:t>移動       </a:t>
+            </a:r>
+            <a:r>
+              <a:rPr kumimoji="1" lang="en-US" altLang="ja-JP" sz="3200" dirty="0" smtClean="0"/>
+              <a:t>A</a:t>
+            </a:r>
+          </a:p>
+          <a:p>
+            <a:r>
+              <a:rPr lang="ja-JP" altLang="en-US" sz="3200" dirty="0" smtClean="0"/>
+              <a:t>ジャンプ   </a:t>
+            </a:r>
+            <a:r>
+              <a:rPr lang="en-US" altLang="ja-JP" sz="3200" dirty="0" smtClean="0"/>
+              <a:t>SPACE</a:t>
+            </a:r>
+          </a:p>
+          <a:p>
+            <a:r>
+              <a:rPr kumimoji="1" lang="en-US" altLang="ja-JP" sz="3200" dirty="0" smtClean="0"/>
+              <a:t>2</a:t>
+            </a:r>
+            <a:r>
+              <a:rPr kumimoji="1" lang="ja-JP" altLang="en-US" sz="3200" dirty="0" smtClean="0"/>
+              <a:t>段ジャンプ  </a:t>
+            </a:r>
+            <a:r>
+              <a:rPr kumimoji="1" lang="en-US" altLang="ja-JP" sz="3200" dirty="0" smtClean="0"/>
+              <a:t>SPACE      </a:t>
+            </a:r>
+            <a:r>
+              <a:rPr kumimoji="1" lang="en-US" altLang="ja-JP" sz="3200" dirty="0" err="1" smtClean="0"/>
+              <a:t>SPACE</a:t>
+            </a:r>
+            <a:endParaRPr kumimoji="1" lang="ja-JP" altLang="en-US" sz="3200" dirty="0"/>
           </a:p>
         </p:txBody>
       </p:sp>
       <p:cxnSp>
         <p:nvCxnSpPr>
-          <p:cNvPr id="5" name="直線矢印コネクタ 4"/>
+          <p:cNvPr id="12" name="直線矢印コネクタ 11"/>
           <p:cNvCxnSpPr/>
           <p:nvPr/>
         </p:nvCxnSpPr>
         <p:spPr>
-          <a:xfrm flipV="1">
-            <a:off x="2175029" y="4145872"/>
-            <a:ext cx="1571348" cy="17755"/>
+          <a:xfrm>
+            <a:off x="4781550" y="3143250"/>
+            <a:ext cx="609600" cy="0"/>
           </a:xfrm>
           <a:prstGeom prst="straightConnector1">
             <a:avLst/>
@@ -3809,14 +4289,14 @@
           </a:ln>
         </p:spPr>
         <p:style>
-          <a:lnRef idx="1">
-            <a:schemeClr val="accent1"/>
+          <a:lnRef idx="3">
+            <a:schemeClr val="accent2"/>
           </a:lnRef>
           <a:fillRef idx="0">
-            <a:schemeClr val="accent1"/>
+            <a:schemeClr val="accent2"/>
           </a:fillRef>
-          <a:effectRef idx="0">
-            <a:schemeClr val="accent1"/>
+          <a:effectRef idx="2">
+            <a:schemeClr val="accent2"/>
           </a:effectRef>
           <a:fontRef idx="minor">
             <a:schemeClr val="tx1"/>
@@ -3825,14 +4305,14 @@
       </p:cxnSp>
       <p:sp>
         <p:nvSpPr>
-          <p:cNvPr id="6" name="テキスト ボックス 5"/>
+          <p:cNvPr id="13" name="テキスト ボックス 12"/>
           <p:cNvSpPr txBox="1"/>
           <p:nvPr/>
         </p:nvSpPr>
         <p:spPr>
           <a:xfrm>
-            <a:off x="3755255" y="3835154"/>
-            <a:ext cx="1327951" cy="923330"/>
+            <a:off x="1419225" y="4943475"/>
+            <a:ext cx="9067800" cy="830997"/>
           </a:xfrm>
           <a:prstGeom prst="rect">
             <a:avLst/>
@@ -3846,20 +4326,18 @@
           <a:lstStyle/>
           <a:p>
             <a:r>
-              <a:rPr kumimoji="1" lang="ja-JP" altLang="en-US" dirty="0" smtClean="0"/>
-              <a:t>落ちる床</a:t>
-            </a:r>
-            <a:endParaRPr kumimoji="1" lang="en-US" altLang="ja-JP" dirty="0" smtClean="0"/>
-          </a:p>
-          <a:p>
-            <a:r>
-              <a:rPr lang="ja-JP" altLang="en-US" dirty="0" smtClean="0"/>
-              <a:t>火柱</a:t>
-            </a:r>
-            <a:endParaRPr lang="en-US" altLang="ja-JP" dirty="0" smtClean="0"/>
-          </a:p>
-          <a:p>
-            <a:endParaRPr kumimoji="1" lang="ja-JP" altLang="en-US" dirty="0"/>
+              <a:rPr kumimoji="1" lang="ja-JP" altLang="en-US" sz="4800" b="1" dirty="0" smtClean="0">
+                <a:solidFill>
+                  <a:srgbClr val="FF0000"/>
+                </a:solidFill>
+              </a:rPr>
+              <a:t>シンプル操作で誰でも簡単に！</a:t>
+            </a:r>
+            <a:endParaRPr kumimoji="1" lang="ja-JP" altLang="en-US" sz="4800" b="1" dirty="0">
+              <a:solidFill>
+                <a:srgbClr val="FF0000"/>
+              </a:solidFill>
+            </a:endParaRPr>
           </a:p>
         </p:txBody>
       </p:sp>
@@ -3873,6 +4351,631 @@
   <p:clrMapOvr>
     <a:masterClrMapping/>
   </p:clrMapOvr>
+  <mc:AlternateContent xmlns:mc="http://schemas.openxmlformats.org/markup-compatibility/2006">
+    <mc:Choice xmlns:p14="http://schemas.microsoft.com/office/powerpoint/2010/main" Requires="p14">
+      <p:transition p14:dur="10"/>
+    </mc:Choice>
+    <mc:Fallback>
+      <p:transition/>
+    </mc:Fallback>
+  </mc:AlternateContent>
+  <p:timing>
+    <p:tnLst>
+      <p:par>
+        <p:cTn id="1" dur="indefinite" restart="never" nodeType="tmRoot">
+          <p:childTnLst>
+            <p:seq concurrent="1" nextAc="seek">
+              <p:cTn id="2" dur="indefinite" nodeType="mainSeq">
+                <p:childTnLst>
+                  <p:par>
+                    <p:cTn id="3" fill="hold">
+                      <p:stCondLst>
+                        <p:cond delay="indefinite"/>
+                      </p:stCondLst>
+                      <p:childTnLst>
+                        <p:par>
+                          <p:cTn id="4" fill="hold">
+                            <p:stCondLst>
+                              <p:cond delay="0"/>
+                            </p:stCondLst>
+                            <p:childTnLst>
+                              <p:par>
+                                <p:cTn id="5" presetID="16" presetClass="entr" presetSubtype="21" fill="hold" grpId="0" nodeType="clickEffect">
+                                  <p:stCondLst>
+                                    <p:cond delay="0"/>
+                                  </p:stCondLst>
+                                  <p:childTnLst>
+                                    <p:set>
+                                      <p:cBhvr>
+                                        <p:cTn id="6" dur="1" fill="hold">
+                                          <p:stCondLst>
+                                            <p:cond delay="0"/>
+                                          </p:stCondLst>
+                                        </p:cTn>
+                                        <p:tgtEl>
+                                          <p:spTgt spid="13"/>
+                                        </p:tgtEl>
+                                        <p:attrNameLst>
+                                          <p:attrName>style.visibility</p:attrName>
+                                        </p:attrNameLst>
+                                      </p:cBhvr>
+                                      <p:to>
+                                        <p:strVal val="visible"/>
+                                      </p:to>
+                                    </p:set>
+                                    <p:animEffect transition="in" filter="barn(inVertical)">
+                                      <p:cBhvr>
+                                        <p:cTn id="7" dur="500"/>
+                                        <p:tgtEl>
+                                          <p:spTgt spid="13"/>
+                                        </p:tgtEl>
+                                      </p:cBhvr>
+                                    </p:animEffect>
+                                  </p:childTnLst>
+                                </p:cTn>
+                              </p:par>
+                            </p:childTnLst>
+                          </p:cTn>
+                        </p:par>
+                      </p:childTnLst>
+                    </p:cTn>
+                  </p:par>
+                  <p:par>
+                    <p:cTn id="8" fill="hold">
+                      <p:stCondLst>
+                        <p:cond delay="indefinite"/>
+                      </p:stCondLst>
+                      <p:childTnLst>
+                        <p:par>
+                          <p:cTn id="9" fill="hold">
+                            <p:stCondLst>
+                              <p:cond delay="0"/>
+                            </p:stCondLst>
+                            <p:childTnLst>
+                              <p:par>
+                                <p:cTn id="10" presetID="2" presetClass="entr" presetSubtype="2" fill="hold" grpId="0" nodeType="clickEffect">
+                                  <p:stCondLst>
+                                    <p:cond delay="0"/>
+                                  </p:stCondLst>
+                                  <p:childTnLst>
+                                    <p:set>
+                                      <p:cBhvr>
+                                        <p:cTn id="11" dur="1" fill="hold">
+                                          <p:stCondLst>
+                                            <p:cond delay="0"/>
+                                          </p:stCondLst>
+                                        </p:cTn>
+                                        <p:tgtEl>
+                                          <p:spTgt spid="10"/>
+                                        </p:tgtEl>
+                                        <p:attrNameLst>
+                                          <p:attrName>style.visibility</p:attrName>
+                                        </p:attrNameLst>
+                                      </p:cBhvr>
+                                      <p:to>
+                                        <p:strVal val="visible"/>
+                                      </p:to>
+                                    </p:set>
+                                    <p:anim calcmode="lin" valueType="num">
+                                      <p:cBhvr additive="base">
+                                        <p:cTn id="12" dur="500" fill="hold"/>
+                                        <p:tgtEl>
+                                          <p:spTgt spid="10"/>
+                                        </p:tgtEl>
+                                        <p:attrNameLst>
+                                          <p:attrName>ppt_x</p:attrName>
+                                        </p:attrNameLst>
+                                      </p:cBhvr>
+                                      <p:tavLst>
+                                        <p:tav tm="0">
+                                          <p:val>
+                                            <p:strVal val="1+#ppt_w/2"/>
+                                          </p:val>
+                                        </p:tav>
+                                        <p:tav tm="100000">
+                                          <p:val>
+                                            <p:strVal val="#ppt_x"/>
+                                          </p:val>
+                                        </p:tav>
+                                      </p:tavLst>
+                                    </p:anim>
+                                    <p:anim calcmode="lin" valueType="num">
+                                      <p:cBhvr additive="base">
+                                        <p:cTn id="13" dur="500" fill="hold"/>
+                                        <p:tgtEl>
+                                          <p:spTgt spid="10"/>
+                                        </p:tgtEl>
+                                        <p:attrNameLst>
+                                          <p:attrName>ppt_y</p:attrName>
+                                        </p:attrNameLst>
+                                      </p:cBhvr>
+                                      <p:tavLst>
+                                        <p:tav tm="0">
+                                          <p:val>
+                                            <p:strVal val="#ppt_y"/>
+                                          </p:val>
+                                        </p:tav>
+                                        <p:tav tm="100000">
+                                          <p:val>
+                                            <p:strVal val="#ppt_y"/>
+                                          </p:val>
+                                        </p:tav>
+                                      </p:tavLst>
+                                    </p:anim>
+                                  </p:childTnLst>
+                                </p:cTn>
+                              </p:par>
+                              <p:par>
+                                <p:cTn id="14" presetID="2" presetClass="entr" presetSubtype="2" fill="hold" nodeType="withEffect">
+                                  <p:stCondLst>
+                                    <p:cond delay="0"/>
+                                  </p:stCondLst>
+                                  <p:childTnLst>
+                                    <p:set>
+                                      <p:cBhvr>
+                                        <p:cTn id="15" dur="1" fill="hold">
+                                          <p:stCondLst>
+                                            <p:cond delay="0"/>
+                                          </p:stCondLst>
+                                        </p:cTn>
+                                        <p:tgtEl>
+                                          <p:spTgt spid="12"/>
+                                        </p:tgtEl>
+                                        <p:attrNameLst>
+                                          <p:attrName>style.visibility</p:attrName>
+                                        </p:attrNameLst>
+                                      </p:cBhvr>
+                                      <p:to>
+                                        <p:strVal val="visible"/>
+                                      </p:to>
+                                    </p:set>
+                                    <p:anim calcmode="lin" valueType="num">
+                                      <p:cBhvr additive="base">
+                                        <p:cTn id="16" dur="500" fill="hold"/>
+                                        <p:tgtEl>
+                                          <p:spTgt spid="12"/>
+                                        </p:tgtEl>
+                                        <p:attrNameLst>
+                                          <p:attrName>ppt_x</p:attrName>
+                                        </p:attrNameLst>
+                                      </p:cBhvr>
+                                      <p:tavLst>
+                                        <p:tav tm="0">
+                                          <p:val>
+                                            <p:strVal val="1+#ppt_w/2"/>
+                                          </p:val>
+                                        </p:tav>
+                                        <p:tav tm="100000">
+                                          <p:val>
+                                            <p:strVal val="#ppt_x"/>
+                                          </p:val>
+                                        </p:tav>
+                                      </p:tavLst>
+                                    </p:anim>
+                                    <p:anim calcmode="lin" valueType="num">
+                                      <p:cBhvr additive="base">
+                                        <p:cTn id="17" dur="500" fill="hold"/>
+                                        <p:tgtEl>
+                                          <p:spTgt spid="12"/>
+                                        </p:tgtEl>
+                                        <p:attrNameLst>
+                                          <p:attrName>ppt_y</p:attrName>
+                                        </p:attrNameLst>
+                                      </p:cBhvr>
+                                      <p:tavLst>
+                                        <p:tav tm="0">
+                                          <p:val>
+                                            <p:strVal val="#ppt_y"/>
+                                          </p:val>
+                                        </p:tav>
+                                        <p:tav tm="100000">
+                                          <p:val>
+                                            <p:strVal val="#ppt_y"/>
+                                          </p:val>
+                                        </p:tav>
+                                      </p:tavLst>
+                                    </p:anim>
+                                  </p:childTnLst>
+                                </p:cTn>
+                              </p:par>
+                            </p:childTnLst>
+                          </p:cTn>
+                        </p:par>
+                      </p:childTnLst>
+                    </p:cTn>
+                  </p:par>
+                </p:childTnLst>
+              </p:cTn>
+              <p:prevCondLst>
+                <p:cond evt="onPrev" delay="0">
+                  <p:tgtEl>
+                    <p:sldTgt/>
+                  </p:tgtEl>
+                </p:cond>
+              </p:prevCondLst>
+              <p:nextCondLst>
+                <p:cond evt="onNext" delay="0">
+                  <p:tgtEl>
+                    <p:sldTgt/>
+                  </p:tgtEl>
+                </p:cond>
+              </p:nextCondLst>
+            </p:seq>
+          </p:childTnLst>
+        </p:cTn>
+      </p:par>
+    </p:tnLst>
+    <p:bldLst>
+      <p:bldP spid="10" grpId="0"/>
+      <p:bldP spid="13" grpId="0"/>
+    </p:bldLst>
+  </p:timing>
+</p:sld>
+</file>
+
+<file path=ppt/slides/slide5.xml><?xml version="1.0" encoding="utf-8"?>
+<p:sld xmlns:a="http://schemas.openxmlformats.org/drawingml/2006/main" xmlns:r="http://schemas.openxmlformats.org/officeDocument/2006/relationships" xmlns:p="http://schemas.openxmlformats.org/presentationml/2006/main">
+  <p:cSld>
+    <p:spTree>
+      <p:nvGrpSpPr>
+        <p:cNvPr id="1" name=""/>
+        <p:cNvGrpSpPr/>
+        <p:nvPr/>
+      </p:nvGrpSpPr>
+      <p:grpSpPr>
+        <a:xfrm>
+          <a:off x="0" y="0"/>
+          <a:ext cx="0" cy="0"/>
+          <a:chOff x="0" y="0"/>
+          <a:chExt cx="0" cy="0"/>
+        </a:xfrm>
+      </p:grpSpPr>
+      <p:sp>
+        <p:nvSpPr>
+          <p:cNvPr id="2" name="タイトル 1"/>
+          <p:cNvSpPr>
+            <a:spLocks noGrp="1"/>
+          </p:cNvSpPr>
+          <p:nvPr>
+            <p:ph type="title"/>
+          </p:nvPr>
+        </p:nvSpPr>
+        <p:spPr>
+          <a:xfrm>
+            <a:off x="381000" y="327025"/>
+            <a:ext cx="10515600" cy="1325563"/>
+          </a:xfrm>
+        </p:spPr>
+        <p:txBody>
+          <a:bodyPr/>
+          <a:lstStyle/>
+          <a:p>
+            <a:r>
+              <a:rPr lang="ja-JP" altLang="en-US" dirty="0"/>
+              <a:t>どこ</a:t>
+            </a:r>
+            <a:r>
+              <a:rPr lang="ja-JP" altLang="en-US" dirty="0" smtClean="0"/>
+              <a:t>がおもしろい？</a:t>
+            </a:r>
+            <a:endParaRPr kumimoji="1" lang="ja-JP" altLang="en-US" dirty="0"/>
+          </a:p>
+        </p:txBody>
+      </p:sp>
+      <p:pic>
+        <p:nvPicPr>
+          <p:cNvPr id="4" name="図 3"/>
+          <p:cNvPicPr>
+            <a:picLocks noChangeAspect="1"/>
+          </p:cNvPicPr>
+          <p:nvPr/>
+        </p:nvPicPr>
+        <p:blipFill rotWithShape="1">
+          <a:blip r:embed="rId2">
+            <a:extLst>
+              <a:ext uri="{28A0092B-C50C-407E-A947-70E740481C1C}">
+                <a14:useLocalDpi xmlns:a14="http://schemas.microsoft.com/office/drawing/2010/main" val="0"/>
+              </a:ext>
+            </a:extLst>
+          </a:blip>
+          <a:srcRect l="25285" t="8488" r="65834" b="83596"/>
+          <a:stretch/>
+        </p:blipFill>
+        <p:spPr>
+          <a:xfrm>
+            <a:off x="1211637" y="3468041"/>
+            <a:ext cx="674312" cy="601017"/>
+          </a:xfrm>
+          <a:prstGeom prst="rect">
+            <a:avLst/>
+          </a:prstGeom>
+        </p:spPr>
+      </p:pic>
+      <p:pic>
+        <p:nvPicPr>
+          <p:cNvPr id="5" name="図 4"/>
+          <p:cNvPicPr>
+            <a:picLocks noChangeAspect="1"/>
+          </p:cNvPicPr>
+          <p:nvPr/>
+        </p:nvPicPr>
+        <p:blipFill>
+          <a:blip r:embed="rId3">
+            <a:extLst>
+              <a:ext uri="{28A0092B-C50C-407E-A947-70E740481C1C}">
+                <a14:useLocalDpi xmlns:a14="http://schemas.microsoft.com/office/drawing/2010/main" val="0"/>
+              </a:ext>
+            </a:extLst>
+          </a:blip>
+          <a:stretch>
+            <a:fillRect/>
+          </a:stretch>
+        </p:blipFill>
+        <p:spPr>
+          <a:xfrm>
+            <a:off x="10801350" y="3468041"/>
+            <a:ext cx="609600" cy="609600"/>
+          </a:xfrm>
+          <a:prstGeom prst="rect">
+            <a:avLst/>
+          </a:prstGeom>
+        </p:spPr>
+      </p:pic>
+      <p:sp>
+        <p:nvSpPr>
+          <p:cNvPr id="6" name="テキスト ボックス 5"/>
+          <p:cNvSpPr txBox="1"/>
+          <p:nvPr/>
+        </p:nvSpPr>
+        <p:spPr>
+          <a:xfrm>
+            <a:off x="1211637" y="1390978"/>
+            <a:ext cx="4343400" cy="523220"/>
+          </a:xfrm>
+          <a:prstGeom prst="rect">
+            <a:avLst/>
+          </a:prstGeom>
+          <a:noFill/>
+        </p:spPr>
+        <p:txBody>
+          <a:bodyPr wrap="square" rtlCol="0">
+            <a:spAutoFit/>
+          </a:bodyPr>
+          <a:lstStyle/>
+          <a:p>
+            <a:r>
+              <a:rPr kumimoji="1" lang="ja-JP" altLang="en-US" sz="2800" dirty="0" smtClean="0"/>
+              <a:t>好記録を出すためには？</a:t>
+            </a:r>
+            <a:endParaRPr kumimoji="1" lang="ja-JP" altLang="en-US" sz="2800" dirty="0"/>
+          </a:p>
+        </p:txBody>
+      </p:sp>
+      <p:sp>
+        <p:nvSpPr>
+          <p:cNvPr id="7" name="楕円 6"/>
+          <p:cNvSpPr/>
+          <p:nvPr/>
+        </p:nvSpPr>
+        <p:spPr>
+          <a:xfrm>
+            <a:off x="1223124" y="2098658"/>
+            <a:ext cx="1771651" cy="819150"/>
+          </a:xfrm>
+          <a:prstGeom prst="ellipse">
+            <a:avLst/>
+          </a:prstGeom>
+        </p:spPr>
+        <p:style>
+          <a:lnRef idx="2">
+            <a:schemeClr val="accent1">
+              <a:shade val="50000"/>
+            </a:schemeClr>
+          </a:lnRef>
+          <a:fillRef idx="1">
+            <a:schemeClr val="accent1"/>
+          </a:fillRef>
+          <a:effectRef idx="0">
+            <a:schemeClr val="accent1"/>
+          </a:effectRef>
+          <a:fontRef idx="minor">
+            <a:schemeClr val="lt1"/>
+          </a:fontRef>
+        </p:style>
+        <p:txBody>
+          <a:bodyPr rtlCol="0" anchor="ctr"/>
+          <a:lstStyle/>
+          <a:p>
+            <a:pPr algn="ctr"/>
+            <a:r>
+              <a:rPr kumimoji="1" lang="ja-JP" altLang="en-US" sz="2800" dirty="0" smtClean="0"/>
+              <a:t>速さ</a:t>
+            </a:r>
+            <a:endParaRPr kumimoji="1" lang="ja-JP" altLang="en-US" sz="2800" dirty="0"/>
+          </a:p>
+        </p:txBody>
+      </p:sp>
+      <p:sp>
+        <p:nvSpPr>
+          <p:cNvPr id="8" name="楕円 7"/>
+          <p:cNvSpPr/>
+          <p:nvPr/>
+        </p:nvSpPr>
+        <p:spPr>
+          <a:xfrm>
+            <a:off x="3114675" y="2109149"/>
+            <a:ext cx="1790700" cy="798168"/>
+          </a:xfrm>
+          <a:prstGeom prst="ellipse">
+            <a:avLst/>
+          </a:prstGeom>
+        </p:spPr>
+        <p:style>
+          <a:lnRef idx="2">
+            <a:schemeClr val="accent1">
+              <a:shade val="50000"/>
+            </a:schemeClr>
+          </a:lnRef>
+          <a:fillRef idx="1">
+            <a:schemeClr val="accent1"/>
+          </a:fillRef>
+          <a:effectRef idx="0">
+            <a:schemeClr val="accent1"/>
+          </a:effectRef>
+          <a:fontRef idx="minor">
+            <a:schemeClr val="lt1"/>
+          </a:fontRef>
+        </p:style>
+        <p:txBody>
+          <a:bodyPr rtlCol="0" anchor="ctr"/>
+          <a:lstStyle/>
+          <a:p>
+            <a:pPr algn="ctr"/>
+            <a:r>
+              <a:rPr lang="ja-JP" altLang="en-US" sz="2400" dirty="0"/>
+              <a:t>正確</a:t>
+            </a:r>
+            <a:endParaRPr kumimoji="1" lang="ja-JP" altLang="en-US" sz="2400" dirty="0"/>
+          </a:p>
+        </p:txBody>
+      </p:sp>
+      <p:sp>
+        <p:nvSpPr>
+          <p:cNvPr id="9" name="テキスト ボックス 8"/>
+          <p:cNvSpPr txBox="1"/>
+          <p:nvPr/>
+        </p:nvSpPr>
+        <p:spPr>
+          <a:xfrm>
+            <a:off x="6280899" y="1413186"/>
+            <a:ext cx="4314825" cy="523220"/>
+          </a:xfrm>
+          <a:prstGeom prst="rect">
+            <a:avLst/>
+          </a:prstGeom>
+          <a:noFill/>
+        </p:spPr>
+        <p:txBody>
+          <a:bodyPr wrap="square" rtlCol="0">
+            <a:spAutoFit/>
+          </a:bodyPr>
+          <a:lstStyle/>
+          <a:p>
+            <a:r>
+              <a:rPr kumimoji="1" lang="ja-JP" altLang="en-US" sz="2800" dirty="0" smtClean="0"/>
+              <a:t>ランキング</a:t>
+            </a:r>
+            <a:r>
+              <a:rPr lang="en-US" altLang="ja-JP" sz="2800" dirty="0" smtClean="0"/>
+              <a:t>1</a:t>
+            </a:r>
+            <a:r>
+              <a:rPr lang="ja-JP" altLang="en-US" sz="2800" dirty="0" smtClean="0"/>
+              <a:t>位になりたい</a:t>
+            </a:r>
+            <a:endParaRPr kumimoji="1" lang="ja-JP" altLang="en-US" sz="2800" dirty="0"/>
+          </a:p>
+        </p:txBody>
+      </p:sp>
+      <p:sp>
+        <p:nvSpPr>
+          <p:cNvPr id="10" name="楕円 9"/>
+          <p:cNvSpPr/>
+          <p:nvPr/>
+        </p:nvSpPr>
+        <p:spPr>
+          <a:xfrm>
+            <a:off x="7076236" y="2067513"/>
+            <a:ext cx="2724150" cy="833437"/>
+          </a:xfrm>
+          <a:prstGeom prst="ellipse">
+            <a:avLst/>
+          </a:prstGeom>
+        </p:spPr>
+        <p:style>
+          <a:lnRef idx="2">
+            <a:schemeClr val="accent1">
+              <a:shade val="50000"/>
+            </a:schemeClr>
+          </a:lnRef>
+          <a:fillRef idx="1">
+            <a:schemeClr val="accent1"/>
+          </a:fillRef>
+          <a:effectRef idx="0">
+            <a:schemeClr val="accent1"/>
+          </a:effectRef>
+          <a:fontRef idx="minor">
+            <a:schemeClr val="lt1"/>
+          </a:fontRef>
+        </p:style>
+        <p:txBody>
+          <a:bodyPr rtlCol="0" anchor="ctr"/>
+          <a:lstStyle/>
+          <a:p>
+            <a:pPr algn="ctr"/>
+            <a:r>
+              <a:rPr kumimoji="1" lang="ja-JP" altLang="en-US" sz="2800" dirty="0" smtClean="0"/>
+              <a:t>競争心</a:t>
+            </a:r>
+            <a:endParaRPr kumimoji="1" lang="ja-JP" altLang="en-US" sz="2800" dirty="0"/>
+          </a:p>
+        </p:txBody>
+      </p:sp>
+      <p:sp>
+        <p:nvSpPr>
+          <p:cNvPr id="11" name="テキスト ボックス 10"/>
+          <p:cNvSpPr txBox="1"/>
+          <p:nvPr/>
+        </p:nvSpPr>
+        <p:spPr>
+          <a:xfrm>
+            <a:off x="1885949" y="4867275"/>
+            <a:ext cx="7648575" cy="830997"/>
+          </a:xfrm>
+          <a:prstGeom prst="rect">
+            <a:avLst/>
+          </a:prstGeom>
+          <a:noFill/>
+        </p:spPr>
+        <p:txBody>
+          <a:bodyPr wrap="square" rtlCol="0">
+            <a:spAutoFit/>
+          </a:bodyPr>
+          <a:lstStyle/>
+          <a:p>
+            <a:r>
+              <a:rPr kumimoji="1" lang="ja-JP" altLang="en-US" sz="4800" b="1" dirty="0" smtClean="0">
+                <a:solidFill>
+                  <a:srgbClr val="FF0000"/>
+                </a:solidFill>
+              </a:rPr>
+              <a:t>やりこみたくなっちゃう！</a:t>
+            </a:r>
+            <a:endParaRPr kumimoji="1" lang="ja-JP" altLang="en-US" sz="4800" b="1" dirty="0">
+              <a:solidFill>
+                <a:srgbClr val="FF0000"/>
+              </a:solidFill>
+            </a:endParaRPr>
+          </a:p>
+        </p:txBody>
+      </p:sp>
+    </p:spTree>
+    <p:extLst>
+      <p:ext uri="{BB962C8B-B14F-4D97-AF65-F5344CB8AC3E}">
+        <p14:creationId xmlns:p14="http://schemas.microsoft.com/office/powerpoint/2010/main" val="3688207707"/>
+      </p:ext>
+    </p:extLst>
+  </p:cSld>
+  <p:clrMapOvr>
+    <a:masterClrMapping/>
+  </p:clrMapOvr>
+  <p:timing>
+    <p:tnLst>
+      <p:par>
+        <p:cTn id="1" dur="indefinite" restart="never" nodeType="tmRoot"/>
+      </p:par>
+    </p:tnLst>
+  </p:timing>
 </p:sld>
 </file>
 
